--- a/PPT/Angular21-PWA.pptx
+++ b/PPT/Angular21-PWA.pptx
@@ -626,35 +626,35 @@
           <a:p>
             <a:pPr lvl="0"/>
             <a:r>
-              <a:rPr lang="fr-FR" noProof="0" smtClean="0"/>
+              <a:rPr lang="fr-FR" noProof="0"/>
               <a:t>Cliquez pour modifier les styles du texte du masque</a:t>
             </a:r>
           </a:p>
           <a:p>
             <a:pPr lvl="1"/>
             <a:r>
-              <a:rPr lang="fr-FR" noProof="0" smtClean="0"/>
+              <a:rPr lang="fr-FR" noProof="0"/>
               <a:t>Deuxième niveau</a:t>
             </a:r>
           </a:p>
           <a:p>
             <a:pPr lvl="2"/>
             <a:r>
-              <a:rPr lang="fr-FR" noProof="0" smtClean="0"/>
+              <a:rPr lang="fr-FR" noProof="0"/>
               <a:t>Troisième niveau</a:t>
             </a:r>
           </a:p>
           <a:p>
             <a:pPr lvl="3"/>
             <a:r>
-              <a:rPr lang="fr-FR" noProof="0" smtClean="0"/>
+              <a:rPr lang="fr-FR" noProof="0"/>
               <a:t>Quatrième niveau</a:t>
             </a:r>
           </a:p>
           <a:p>
             <a:pPr lvl="4"/>
             <a:r>
-              <a:rPr lang="fr-FR" noProof="0" smtClean="0"/>
+              <a:rPr lang="fr-FR" noProof="0"/>
               <a:t>Cinquième niveau</a:t>
             </a:r>
           </a:p>
@@ -942,10 +942,9 @@
           <a:lstStyle/>
           <a:p>
             <a:r>
-              <a:rPr lang="fr-FR" smtClean="0"/>
+              <a:rPr lang="fr-FR"/>
               <a:t>Cliquez pour modifier le style du titre</a:t>
             </a:r>
-            <a:endParaRPr lang="fr-FR"/>
           </a:p>
         </p:txBody>
       </p:sp>
@@ -1007,10 +1006,9 @@
           </a:lstStyle>
           <a:p>
             <a:r>
-              <a:rPr lang="fr-FR" smtClean="0"/>
+              <a:rPr lang="fr-FR"/>
               <a:t>Cliquez pour modifier le style des sous-titres du masque</a:t>
             </a:r>
-            <a:endParaRPr lang="fr-FR"/>
           </a:p>
         </p:txBody>
       </p:sp>
@@ -1065,10 +1063,9 @@
           <a:lstStyle/>
           <a:p>
             <a:r>
-              <a:rPr lang="fr-FR" smtClean="0"/>
+              <a:rPr lang="fr-FR"/>
               <a:t>Cliquez pour modifier le style du titre</a:t>
             </a:r>
-            <a:endParaRPr lang="fr-FR"/>
           </a:p>
         </p:txBody>
       </p:sp>
@@ -1094,38 +1091,37 @@
           <a:p>
             <a:pPr lvl="0"/>
             <a:r>
-              <a:rPr lang="fr-FR" smtClean="0"/>
+              <a:rPr lang="fr-FR"/>
               <a:t>Cliquez pour modifier les styles du texte du masque</a:t>
             </a:r>
           </a:p>
           <a:p>
             <a:pPr lvl="1"/>
             <a:r>
-              <a:rPr lang="fr-FR" smtClean="0"/>
+              <a:rPr lang="fr-FR"/>
               <a:t>Deuxième niveau</a:t>
             </a:r>
           </a:p>
           <a:p>
             <a:pPr lvl="2"/>
             <a:r>
-              <a:rPr lang="fr-FR" smtClean="0"/>
+              <a:rPr lang="fr-FR"/>
               <a:t>Troisième niveau</a:t>
             </a:r>
           </a:p>
           <a:p>
             <a:pPr lvl="3"/>
             <a:r>
-              <a:rPr lang="fr-FR" smtClean="0"/>
+              <a:rPr lang="fr-FR"/>
               <a:t>Quatrième niveau</a:t>
             </a:r>
           </a:p>
           <a:p>
             <a:pPr lvl="4"/>
             <a:r>
-              <a:rPr lang="fr-FR" smtClean="0"/>
+              <a:rPr lang="fr-FR"/>
               <a:t>Cinquième niveau</a:t>
             </a:r>
-            <a:endParaRPr lang="fr-FR"/>
           </a:p>
         </p:txBody>
       </p:sp>
@@ -1184,10 +1180,9 @@
           </a:lstStyle>
           <a:p>
             <a:r>
-              <a:rPr lang="fr-FR" dirty="0" smtClean="0"/>
+              <a:rPr lang="fr-FR" dirty="0"/>
               <a:t>Cliquez pour modifier le style du titre</a:t>
             </a:r>
-            <a:endParaRPr lang="fr-FR" dirty="0"/>
           </a:p>
         </p:txBody>
       </p:sp>
@@ -1213,38 +1208,37 @@
           <a:p>
             <a:pPr lvl="0"/>
             <a:r>
-              <a:rPr lang="fr-FR" dirty="0" smtClean="0"/>
+              <a:rPr lang="fr-FR" dirty="0"/>
               <a:t>Cliquez pour modifier les styles du texte du masque</a:t>
             </a:r>
           </a:p>
           <a:p>
             <a:pPr lvl="1"/>
             <a:r>
-              <a:rPr lang="fr-FR" dirty="0" smtClean="0"/>
+              <a:rPr lang="fr-FR" dirty="0"/>
               <a:t>Deuxième niveau</a:t>
             </a:r>
           </a:p>
           <a:p>
             <a:pPr lvl="2"/>
             <a:r>
-              <a:rPr lang="fr-FR" dirty="0" smtClean="0"/>
+              <a:rPr lang="fr-FR" dirty="0"/>
               <a:t>Troisième niveau</a:t>
             </a:r>
           </a:p>
           <a:p>
             <a:pPr lvl="3"/>
             <a:r>
-              <a:rPr lang="fr-FR" dirty="0" smtClean="0"/>
+              <a:rPr lang="fr-FR" dirty="0"/>
               <a:t>Quatrième niveau</a:t>
             </a:r>
           </a:p>
           <a:p>
             <a:pPr lvl="4"/>
             <a:r>
-              <a:rPr lang="fr-FR" dirty="0" smtClean="0"/>
+              <a:rPr lang="fr-FR" dirty="0"/>
               <a:t>Cinquième niveau</a:t>
             </a:r>
-            <a:endParaRPr lang="fr-FR" dirty="0"/>
           </a:p>
         </p:txBody>
       </p:sp>
@@ -1294,10 +1288,9 @@
           <a:lstStyle/>
           <a:p>
             <a:r>
-              <a:rPr lang="fr-FR" smtClean="0"/>
+              <a:rPr lang="fr-FR"/>
               <a:t>Cliquez pour modifier le style du titre</a:t>
             </a:r>
-            <a:endParaRPr lang="fr-FR"/>
           </a:p>
         </p:txBody>
       </p:sp>
@@ -1351,38 +1344,37 @@
           <a:p>
             <a:pPr lvl="0"/>
             <a:r>
-              <a:rPr lang="fr-FR" smtClean="0"/>
+              <a:rPr lang="fr-FR"/>
               <a:t>Cliquez pour modifier les styles du texte du masque</a:t>
             </a:r>
           </a:p>
           <a:p>
             <a:pPr lvl="1"/>
             <a:r>
-              <a:rPr lang="fr-FR" smtClean="0"/>
+              <a:rPr lang="fr-FR"/>
               <a:t>Deuxième niveau</a:t>
             </a:r>
           </a:p>
           <a:p>
             <a:pPr lvl="2"/>
             <a:r>
-              <a:rPr lang="fr-FR" smtClean="0"/>
+              <a:rPr lang="fr-FR"/>
               <a:t>Troisième niveau</a:t>
             </a:r>
           </a:p>
           <a:p>
             <a:pPr lvl="3"/>
             <a:r>
-              <a:rPr lang="fr-FR" smtClean="0"/>
+              <a:rPr lang="fr-FR"/>
               <a:t>Quatrième niveau</a:t>
             </a:r>
           </a:p>
           <a:p>
             <a:pPr lvl="4"/>
             <a:r>
-              <a:rPr lang="fr-FR" smtClean="0"/>
+              <a:rPr lang="fr-FR"/>
               <a:t>Cinquième niveau</a:t>
             </a:r>
-            <a:endParaRPr lang="fr-FR"/>
           </a:p>
         </p:txBody>
       </p:sp>
@@ -1436,38 +1428,37 @@
           <a:p>
             <a:pPr lvl="0"/>
             <a:r>
-              <a:rPr lang="fr-FR" smtClean="0"/>
+              <a:rPr lang="fr-FR"/>
               <a:t>Cliquez pour modifier les styles du texte du masque</a:t>
             </a:r>
           </a:p>
           <a:p>
             <a:pPr lvl="1"/>
             <a:r>
-              <a:rPr lang="fr-FR" smtClean="0"/>
+              <a:rPr lang="fr-FR"/>
               <a:t>Deuxième niveau</a:t>
             </a:r>
           </a:p>
           <a:p>
             <a:pPr lvl="2"/>
             <a:r>
-              <a:rPr lang="fr-FR" smtClean="0"/>
+              <a:rPr lang="fr-FR"/>
               <a:t>Troisième niveau</a:t>
             </a:r>
           </a:p>
           <a:p>
             <a:pPr lvl="3"/>
             <a:r>
-              <a:rPr lang="fr-FR" smtClean="0"/>
+              <a:rPr lang="fr-FR"/>
               <a:t>Quatrième niveau</a:t>
             </a:r>
           </a:p>
           <a:p>
             <a:pPr lvl="4"/>
             <a:r>
-              <a:rPr lang="fr-FR" smtClean="0"/>
+              <a:rPr lang="fr-FR"/>
               <a:t>Cinquième niveau</a:t>
             </a:r>
-            <a:endParaRPr lang="fr-FR"/>
           </a:p>
         </p:txBody>
       </p:sp>
@@ -1526,10 +1517,9 @@
           </a:lstStyle>
           <a:p>
             <a:r>
-              <a:rPr lang="fr-FR" smtClean="0"/>
+              <a:rPr lang="fr-FR"/>
               <a:t>Cliquez pour modifier le style du titre</a:t>
             </a:r>
-            <a:endParaRPr lang="fr-FR"/>
           </a:p>
         </p:txBody>
       </p:sp>
@@ -1592,7 +1582,7 @@
           <a:p>
             <a:pPr lvl="0"/>
             <a:r>
-              <a:rPr lang="fr-FR" smtClean="0"/>
+              <a:rPr lang="fr-FR"/>
               <a:t>Cliquez pour modifier les styles du texte du masque</a:t>
             </a:r>
           </a:p>
@@ -1648,38 +1638,37 @@
           <a:p>
             <a:pPr lvl="0"/>
             <a:r>
-              <a:rPr lang="fr-FR" smtClean="0"/>
+              <a:rPr lang="fr-FR"/>
               <a:t>Cliquez pour modifier les styles du texte du masque</a:t>
             </a:r>
           </a:p>
           <a:p>
             <a:pPr lvl="1"/>
             <a:r>
-              <a:rPr lang="fr-FR" smtClean="0"/>
+              <a:rPr lang="fr-FR"/>
               <a:t>Deuxième niveau</a:t>
             </a:r>
           </a:p>
           <a:p>
             <a:pPr lvl="2"/>
             <a:r>
-              <a:rPr lang="fr-FR" smtClean="0"/>
+              <a:rPr lang="fr-FR"/>
               <a:t>Troisième niveau</a:t>
             </a:r>
           </a:p>
           <a:p>
             <a:pPr lvl="3"/>
             <a:r>
-              <a:rPr lang="fr-FR" smtClean="0"/>
+              <a:rPr lang="fr-FR"/>
               <a:t>Quatrième niveau</a:t>
             </a:r>
           </a:p>
           <a:p>
             <a:pPr lvl="4"/>
             <a:r>
-              <a:rPr lang="fr-FR" smtClean="0"/>
+              <a:rPr lang="fr-FR"/>
               <a:t>Cinquième niveau</a:t>
             </a:r>
-            <a:endParaRPr lang="fr-FR"/>
           </a:p>
         </p:txBody>
       </p:sp>
@@ -1742,7 +1731,7 @@
           <a:p>
             <a:pPr lvl="0"/>
             <a:r>
-              <a:rPr lang="fr-FR" smtClean="0"/>
+              <a:rPr lang="fr-FR"/>
               <a:t>Cliquez pour modifier les styles du texte du masque</a:t>
             </a:r>
           </a:p>
@@ -1798,38 +1787,37 @@
           <a:p>
             <a:pPr lvl="0"/>
             <a:r>
-              <a:rPr lang="fr-FR" smtClean="0"/>
+              <a:rPr lang="fr-FR"/>
               <a:t>Cliquez pour modifier les styles du texte du masque</a:t>
             </a:r>
           </a:p>
           <a:p>
             <a:pPr lvl="1"/>
             <a:r>
-              <a:rPr lang="fr-FR" smtClean="0"/>
+              <a:rPr lang="fr-FR"/>
               <a:t>Deuxième niveau</a:t>
             </a:r>
           </a:p>
           <a:p>
             <a:pPr lvl="2"/>
             <a:r>
-              <a:rPr lang="fr-FR" smtClean="0"/>
+              <a:rPr lang="fr-FR"/>
               <a:t>Troisième niveau</a:t>
             </a:r>
           </a:p>
           <a:p>
             <a:pPr lvl="3"/>
             <a:r>
-              <a:rPr lang="fr-FR" smtClean="0"/>
+              <a:rPr lang="fr-FR"/>
               <a:t>Quatrième niveau</a:t>
             </a:r>
           </a:p>
           <a:p>
             <a:pPr lvl="4"/>
             <a:r>
-              <a:rPr lang="fr-FR" smtClean="0"/>
+              <a:rPr lang="fr-FR"/>
               <a:t>Cinquième niveau</a:t>
             </a:r>
-            <a:endParaRPr lang="fr-FR"/>
           </a:p>
         </p:txBody>
       </p:sp>
@@ -1879,10 +1867,9 @@
           <a:lstStyle/>
           <a:p>
             <a:r>
-              <a:rPr lang="fr-FR" smtClean="0"/>
+              <a:rPr lang="fr-FR"/>
               <a:t>Cliquez pour modifier le style du titre</a:t>
             </a:r>
-            <a:endParaRPr lang="fr-FR"/>
           </a:p>
         </p:txBody>
       </p:sp>
@@ -1971,10 +1958,9 @@
           </a:lstStyle>
           <a:p>
             <a:r>
-              <a:rPr lang="fr-FR" smtClean="0"/>
+              <a:rPr lang="fr-FR"/>
               <a:t>Cliquez pour modifier le style du titre</a:t>
             </a:r>
-            <a:endParaRPr lang="fr-FR"/>
           </a:p>
         </p:txBody>
       </p:sp>
@@ -2028,38 +2014,37 @@
           <a:p>
             <a:pPr lvl="0"/>
             <a:r>
-              <a:rPr lang="fr-FR" smtClean="0"/>
+              <a:rPr lang="fr-FR"/>
               <a:t>Cliquez pour modifier les styles du texte du masque</a:t>
             </a:r>
           </a:p>
           <a:p>
             <a:pPr lvl="1"/>
             <a:r>
-              <a:rPr lang="fr-FR" smtClean="0"/>
+              <a:rPr lang="fr-FR"/>
               <a:t>Deuxième niveau</a:t>
             </a:r>
           </a:p>
           <a:p>
             <a:pPr lvl="2"/>
             <a:r>
-              <a:rPr lang="fr-FR" smtClean="0"/>
+              <a:rPr lang="fr-FR"/>
               <a:t>Troisième niveau</a:t>
             </a:r>
           </a:p>
           <a:p>
             <a:pPr lvl="3"/>
             <a:r>
-              <a:rPr lang="fr-FR" smtClean="0"/>
+              <a:rPr lang="fr-FR"/>
               <a:t>Quatrième niveau</a:t>
             </a:r>
           </a:p>
           <a:p>
             <a:pPr lvl="4"/>
             <a:r>
-              <a:rPr lang="fr-FR" smtClean="0"/>
+              <a:rPr lang="fr-FR"/>
               <a:t>Cinquième niveau</a:t>
             </a:r>
-            <a:endParaRPr lang="fr-FR"/>
           </a:p>
         </p:txBody>
       </p:sp>
@@ -2122,7 +2107,7 @@
           <a:p>
             <a:pPr lvl="0"/>
             <a:r>
-              <a:rPr lang="fr-FR" smtClean="0"/>
+              <a:rPr lang="fr-FR"/>
               <a:t>Cliquez pour modifier les styles du texte du masque</a:t>
             </a:r>
           </a:p>
@@ -2183,10 +2168,9 @@
           </a:lstStyle>
           <a:p>
             <a:r>
-              <a:rPr lang="fr-FR" smtClean="0"/>
+              <a:rPr lang="fr-FR"/>
               <a:t>Cliquez pour modifier le style du titre</a:t>
             </a:r>
-            <a:endParaRPr lang="fr-FR"/>
           </a:p>
         </p:txBody>
       </p:sp>
@@ -2248,7 +2232,7 @@
           </a:lstStyle>
           <a:p>
             <a:pPr lvl="0"/>
-            <a:endParaRPr lang="fr-FR" noProof="0" smtClean="0"/>
+            <a:endParaRPr lang="fr-FR" noProof="0"/>
           </a:p>
         </p:txBody>
       </p:sp>
@@ -2311,7 +2295,7 @@
           <a:p>
             <a:pPr lvl="0"/>
             <a:r>
-              <a:rPr lang="fr-FR" smtClean="0"/>
+              <a:rPr lang="fr-FR"/>
               <a:t>Cliquez pour modifier les styles du texte du masque</a:t>
             </a:r>
           </a:p>
@@ -2363,10 +2347,9 @@
           <a:lstStyle/>
           <a:p>
             <a:r>
-              <a:rPr lang="fr-FR" smtClean="0"/>
+              <a:rPr lang="fr-FR"/>
               <a:t>Cliquez pour modifier le style du titre</a:t>
             </a:r>
-            <a:endParaRPr lang="fr-FR"/>
           </a:p>
         </p:txBody>
       </p:sp>
@@ -2387,38 +2370,37 @@
           <a:p>
             <a:pPr lvl="0"/>
             <a:r>
-              <a:rPr lang="fr-FR" smtClean="0"/>
+              <a:rPr lang="fr-FR"/>
               <a:t>Cliquez pour modifier les styles du texte du masque</a:t>
             </a:r>
           </a:p>
           <a:p>
             <a:pPr lvl="1"/>
             <a:r>
-              <a:rPr lang="fr-FR" smtClean="0"/>
+              <a:rPr lang="fr-FR"/>
               <a:t>Deuxième niveau</a:t>
             </a:r>
           </a:p>
           <a:p>
             <a:pPr lvl="2"/>
             <a:r>
-              <a:rPr lang="fr-FR" smtClean="0"/>
+              <a:rPr lang="fr-FR"/>
               <a:t>Troisième niveau</a:t>
             </a:r>
           </a:p>
           <a:p>
             <a:pPr lvl="3"/>
             <a:r>
-              <a:rPr lang="fr-FR" smtClean="0"/>
+              <a:rPr lang="fr-FR"/>
               <a:t>Quatrième niveau</a:t>
             </a:r>
           </a:p>
           <a:p>
             <a:pPr lvl="4"/>
             <a:r>
-              <a:rPr lang="fr-FR" smtClean="0"/>
+              <a:rPr lang="fr-FR"/>
               <a:t>Cinquième niveau</a:t>
             </a:r>
-            <a:endParaRPr lang="fr-FR"/>
           </a:p>
         </p:txBody>
       </p:sp>
@@ -2599,7 +2581,7 @@
             <a:pPr eaLnBrk="1" hangingPunct="1">
               <a:defRPr/>
             </a:pPr>
-            <a:endParaRPr lang="fr-FR" altLang="fr-FR" smtClean="0"/>
+            <a:endParaRPr lang="fr-FR" altLang="fr-FR"/>
           </a:p>
         </p:txBody>
       </p:sp>
@@ -2753,7 +2735,7 @@
               <a:defRPr/>
             </a:pPr>
             <a:r>
-              <a:rPr lang="fr-FR" sz="1200" dirty="0" smtClean="0"/>
+              <a:rPr lang="fr-FR" sz="1200" dirty="0"/>
               <a:t>Page </a:t>
             </a:r>
             <a:fld id="{E218E9B1-FD08-4C80-902E-210BA2967D0D}" type="slidenum">
@@ -2766,7 +2748,7 @@
               </a:pPr>
               <a:t>‹N°›</a:t>
             </a:fld>
-            <a:endParaRPr lang="fr-FR" dirty="0" smtClean="0">
+            <a:endParaRPr lang="fr-FR" dirty="0">
               <a:latin typeface="Times New Roman" pitchFamily="18" charset="0"/>
             </a:endParaRPr>
           </a:p>
@@ -2922,10 +2904,10 @@
               <a:defRPr/>
             </a:pPr>
             <a:r>
-              <a:rPr lang="fr-FR" sz="1600" dirty="0" err="1" smtClean="0"/>
+              <a:rPr lang="fr-FR" sz="1600" dirty="0" err="1"/>
               <a:t>Angular</a:t>
             </a:r>
-            <a:endParaRPr lang="fr-FR" dirty="0" smtClean="0">
+            <a:endParaRPr lang="fr-FR" dirty="0">
               <a:latin typeface="Times New Roman" pitchFamily="18" charset="0"/>
             </a:endParaRPr>
           </a:p>
@@ -2983,7 +2965,7 @@
           <a:p>
             <a:pPr lvl="0"/>
             <a:r>
-              <a:rPr lang="fr-FR" altLang="fr-FR" smtClean="0"/>
+              <a:rPr lang="fr-FR" altLang="fr-FR"/>
               <a:t>Cliquez pour modifier le style du titre du masque</a:t>
             </a:r>
           </a:p>
@@ -3041,35 +3023,35 @@
           <a:p>
             <a:pPr lvl="0"/>
             <a:r>
-              <a:rPr lang="fr-FR" altLang="fr-FR" smtClean="0"/>
+              <a:rPr lang="fr-FR" altLang="fr-FR"/>
               <a:t>Cliquez pour modifier les styles du texte du masque</a:t>
             </a:r>
           </a:p>
           <a:p>
             <a:pPr lvl="1"/>
             <a:r>
-              <a:rPr lang="fr-FR" altLang="fr-FR" smtClean="0"/>
+              <a:rPr lang="fr-FR" altLang="fr-FR"/>
               <a:t>Deuxième niveau</a:t>
             </a:r>
           </a:p>
           <a:p>
             <a:pPr lvl="2"/>
             <a:r>
-              <a:rPr lang="fr-FR" altLang="fr-FR" smtClean="0"/>
+              <a:rPr lang="fr-FR" altLang="fr-FR"/>
               <a:t>Troisième niveau</a:t>
             </a:r>
           </a:p>
           <a:p>
             <a:pPr lvl="3"/>
             <a:r>
-              <a:rPr lang="fr-FR" altLang="fr-FR" smtClean="0"/>
+              <a:rPr lang="fr-FR" altLang="fr-FR"/>
               <a:t>Quatrième niveau</a:t>
             </a:r>
           </a:p>
           <a:p>
             <a:pPr lvl="4"/>
             <a:r>
-              <a:rPr lang="fr-FR" altLang="fr-FR" smtClean="0"/>
+              <a:rPr lang="fr-FR" altLang="fr-FR"/>
               <a:t>Cinquième niveau</a:t>
             </a:r>
           </a:p>
@@ -3225,10 +3207,10 @@
               <a:defRPr/>
             </a:pPr>
             <a:r>
-              <a:rPr lang="fr-FR" sz="1200" smtClean="0"/>
+              <a:rPr lang="fr-FR" sz="1200"/>
               <a:t>© Cyril Vincent Conseil</a:t>
             </a:r>
-            <a:endParaRPr lang="fr-FR" smtClean="0">
+            <a:endParaRPr lang="fr-FR">
               <a:latin typeface="Times New Roman" pitchFamily="18" charset="0"/>
             </a:endParaRPr>
           </a:p>
@@ -3710,15 +3692,15 @@
           <a:p>
             <a:pPr eaLnBrk="1" hangingPunct="1"/>
             <a:r>
-              <a:rPr lang="fr-FR" altLang="fr-FR" smtClean="0"/>
-              <a:t>Chapitre 17</a:t>
-            </a:r>
-            <a:endParaRPr lang="fr-FR" altLang="fr-FR" dirty="0" smtClean="0"/>
+              <a:rPr lang="fr-FR" altLang="fr-FR"/>
+              <a:t>Chapitre 21</a:t>
+            </a:r>
+            <a:endParaRPr lang="fr-FR" altLang="fr-FR" dirty="0"/>
           </a:p>
           <a:p>
             <a:pPr eaLnBrk="1" hangingPunct="1"/>
             <a:r>
-              <a:rPr lang="fr-FR" altLang="fr-FR" dirty="0" smtClean="0"/>
+              <a:rPr lang="fr-FR" altLang="fr-FR" dirty="0"/>
               <a:t>PWA</a:t>
             </a:r>
           </a:p>
@@ -3940,10 +3922,10 @@
           <a:p>
             <a:pPr eaLnBrk="1" hangingPunct="1"/>
             <a:r>
-              <a:rPr lang="fr-FR" altLang="fr-FR" sz="4000" kern="0" dirty="0" err="1" smtClean="0"/>
+              <a:rPr lang="fr-FR" altLang="fr-FR" sz="4000" kern="0" dirty="0" err="1"/>
               <a:t>ngular</a:t>
             </a:r>
-            <a:endParaRPr lang="fr-FR" altLang="fr-FR" sz="4000" kern="0" dirty="0" smtClean="0"/>
+            <a:endParaRPr lang="fr-FR" altLang="fr-FR" sz="4000" kern="0" dirty="0"/>
           </a:p>
         </p:txBody>
       </p:sp>
@@ -3952,13 +3934,6 @@
   <p:clrMapOvr>
     <a:masterClrMapping/>
   </p:clrMapOvr>
-  <p:timing>
-    <p:tnLst>
-      <p:par>
-        <p:cTn id="1" dur="indefinite" restart="never" nodeType="tmRoot"/>
-      </p:par>
-    </p:tnLst>
-  </p:timing>
 </p:sld>
 </file>
 
@@ -3995,18 +3970,17 @@
           <a:lstStyle/>
           <a:p>
             <a:r>
-              <a:rPr lang="fr-FR" dirty="0" smtClean="0"/>
+              <a:rPr lang="fr-FR" dirty="0"/>
               <a:t>Le </a:t>
             </a:r>
             <a:r>
-              <a:rPr lang="fr-FR" dirty="0" err="1" smtClean="0"/>
+              <a:rPr lang="fr-FR" dirty="0" err="1"/>
               <a:t>Manifest</a:t>
             </a:r>
             <a:r>
-              <a:rPr lang="fr-FR" dirty="0" smtClean="0"/>
+              <a:rPr lang="fr-FR" dirty="0"/>
               <a:t> Web App</a:t>
             </a:r>
-            <a:endParaRPr lang="fr-FR" dirty="0"/>
           </a:p>
         </p:txBody>
       </p:sp>
@@ -4026,143 +4000,127 @@
           <a:lstStyle/>
           <a:p>
             <a:r>
-              <a:rPr lang="fr-FR" dirty="0" smtClean="0"/>
+              <a:rPr lang="fr-FR" dirty="0"/>
               <a:t>Les erreurs d'audit </a:t>
             </a:r>
             <a:r>
-              <a:rPr lang="en-US" dirty="0" smtClean="0"/>
-              <a:t>(“</a:t>
-            </a:r>
-            <a:r>
               <a:rPr lang="en-US" dirty="0"/>
-              <a:t>User will not be prompted to Install the Web App”, “Is not configured for a custom Splash Screen” </a:t>
-            </a:r>
-            <a:r>
-              <a:rPr lang="en-US" dirty="0" smtClean="0"/>
-              <a:t>et “Address </a:t>
+              <a:t>(“User will not be prompted to Install the Web App”, “Is not configured for a custom Splash Screen” et “Address bar does not match brand colors”) </a:t>
+            </a:r>
+            <a:r>
+              <a:rPr lang="en-US" dirty="0" err="1"/>
+              <a:t>sont</a:t>
             </a:r>
             <a:r>
               <a:rPr lang="en-US" dirty="0"/>
-              <a:t>bar does not match brand colors</a:t>
-            </a:r>
-            <a:r>
-              <a:rPr lang="en-US" dirty="0" smtClean="0"/>
-              <a:t>”) </a:t>
-            </a:r>
-            <a:r>
-              <a:rPr lang="en-US" dirty="0" err="1" smtClean="0"/>
-              <a:t>sont</a:t>
-            </a:r>
-            <a:r>
-              <a:rPr lang="en-US" dirty="0" smtClean="0"/>
               <a:t> </a:t>
             </a:r>
             <a:r>
-              <a:rPr lang="en-US" dirty="0" err="1" smtClean="0"/>
+              <a:rPr lang="en-US" dirty="0" err="1"/>
               <a:t>liées</a:t>
             </a:r>
             <a:r>
-              <a:rPr lang="en-US" dirty="0" smtClean="0"/>
+              <a:rPr lang="en-US" dirty="0"/>
               <a:t> à </a:t>
             </a:r>
             <a:r>
-              <a:rPr lang="en-US" dirty="0" err="1" smtClean="0"/>
+              <a:rPr lang="en-US" dirty="0" err="1"/>
               <a:t>l'absence</a:t>
             </a:r>
             <a:r>
-              <a:rPr lang="en-US" dirty="0" smtClean="0"/>
+              <a:rPr lang="en-US" dirty="0"/>
               <a:t> d'un Web App Manifest</a:t>
             </a:r>
           </a:p>
           <a:p>
             <a:r>
-              <a:rPr lang="en-US" dirty="0" smtClean="0"/>
+              <a:rPr lang="en-US" dirty="0"/>
               <a:t>Il </a:t>
             </a:r>
             <a:r>
-              <a:rPr lang="en-US" dirty="0" err="1" smtClean="0"/>
+              <a:rPr lang="en-US" dirty="0" err="1"/>
               <a:t>s'agit</a:t>
             </a:r>
             <a:r>
-              <a:rPr lang="en-US" dirty="0" smtClean="0"/>
+              <a:rPr lang="en-US" dirty="0"/>
               <a:t> d'un </a:t>
             </a:r>
             <a:r>
-              <a:rPr lang="en-US" dirty="0" err="1" smtClean="0"/>
+              <a:rPr lang="en-US" dirty="0" err="1"/>
               <a:t>fichier</a:t>
             </a:r>
             <a:r>
-              <a:rPr lang="en-US" dirty="0" smtClean="0"/>
+              <a:rPr lang="en-US" dirty="0"/>
               <a:t> JSON qui </a:t>
             </a:r>
             <a:r>
-              <a:rPr lang="en-US" dirty="0" err="1" smtClean="0"/>
+              <a:rPr lang="en-US" dirty="0" err="1"/>
               <a:t>décrit</a:t>
             </a:r>
             <a:r>
-              <a:rPr lang="en-US" dirty="0" smtClean="0"/>
+              <a:rPr lang="en-US" dirty="0"/>
               <a:t> le nom, la description, </a:t>
             </a:r>
             <a:r>
-              <a:rPr lang="en-US" dirty="0" err="1" smtClean="0"/>
+              <a:rPr lang="en-US" dirty="0" err="1"/>
               <a:t>l'icône</a:t>
             </a:r>
             <a:r>
-              <a:rPr lang="en-US" dirty="0" smtClean="0"/>
+              <a:rPr lang="en-US" dirty="0"/>
               <a:t> et </a:t>
             </a:r>
             <a:r>
-              <a:rPr lang="en-US" dirty="0" err="1" smtClean="0"/>
+              <a:rPr lang="en-US" dirty="0" err="1"/>
               <a:t>autres</a:t>
             </a:r>
             <a:r>
-              <a:rPr lang="en-US" dirty="0" smtClean="0"/>
+              <a:rPr lang="en-US" dirty="0"/>
               <a:t> information de la PWA</a:t>
             </a:r>
           </a:p>
           <a:p>
             <a:r>
-              <a:rPr lang="en-US" dirty="0" smtClean="0"/>
+              <a:rPr lang="en-US" dirty="0"/>
               <a:t>Ce </a:t>
             </a:r>
             <a:r>
-              <a:rPr lang="en-US" dirty="0" err="1" smtClean="0"/>
+              <a:rPr lang="en-US" dirty="0" err="1"/>
               <a:t>fichier</a:t>
             </a:r>
             <a:r>
-              <a:rPr lang="en-US" dirty="0" smtClean="0"/>
+              <a:rPr lang="en-US" dirty="0"/>
               <a:t> </a:t>
             </a:r>
             <a:r>
-              <a:rPr lang="en-US" dirty="0" err="1" smtClean="0"/>
+              <a:rPr lang="en-US" dirty="0" err="1"/>
               <a:t>doit</a:t>
             </a:r>
             <a:r>
-              <a:rPr lang="en-US" dirty="0" smtClean="0"/>
+              <a:rPr lang="en-US" dirty="0"/>
               <a:t> </a:t>
             </a:r>
             <a:r>
-              <a:rPr lang="en-US" dirty="0" err="1" smtClean="0"/>
+              <a:rPr lang="en-US" dirty="0" err="1"/>
               <a:t>être</a:t>
             </a:r>
             <a:r>
-              <a:rPr lang="en-US" dirty="0" smtClean="0"/>
+              <a:rPr lang="en-US" dirty="0"/>
               <a:t> </a:t>
             </a:r>
             <a:r>
-              <a:rPr lang="en-US" dirty="0" err="1" smtClean="0"/>
+              <a:rPr lang="en-US" dirty="0" err="1"/>
               <a:t>lié</a:t>
             </a:r>
             <a:r>
-              <a:rPr lang="en-US" dirty="0" smtClean="0"/>
+              <a:rPr lang="en-US" dirty="0"/>
               <a:t> </a:t>
             </a:r>
             <a:r>
-              <a:rPr lang="en-US" dirty="0" err="1" smtClean="0"/>
+              <a:rPr lang="en-US" dirty="0" err="1"/>
               <a:t>dans</a:t>
             </a:r>
             <a:r>
-              <a:rPr lang="en-US" dirty="0" smtClean="0"/>
+              <a:rPr lang="en-US" dirty="0"/>
               <a:t> index.html</a:t>
             </a:r>
             <a:endParaRPr lang="fr-FR" dirty="0"/>
@@ -4179,13 +4137,6 @@
   <p:clrMapOvr>
     <a:masterClrMapping/>
   </p:clrMapOvr>
-  <p:timing>
-    <p:tnLst>
-      <p:par>
-        <p:cTn id="1" dur="indefinite" restart="never" nodeType="tmRoot"/>
-      </p:par>
-    </p:tnLst>
-  </p:timing>
 </p:sld>
 </file>
 
@@ -4222,11 +4173,11 @@
           <a:lstStyle/>
           <a:p>
             <a:r>
-              <a:rPr lang="fr-FR" dirty="0" smtClean="0"/>
+              <a:rPr lang="fr-FR" dirty="0"/>
               <a:t>Service </a:t>
             </a:r>
             <a:r>
-              <a:rPr lang="fr-FR" dirty="0" err="1" smtClean="0"/>
+              <a:rPr lang="fr-FR" dirty="0" err="1"/>
               <a:t>Worker</a:t>
             </a:r>
             <a:endParaRPr lang="fr-FR" dirty="0"/>
@@ -4249,182 +4200,166 @@
           <a:lstStyle/>
           <a:p>
             <a:r>
-              <a:rPr lang="fr-FR" dirty="0" smtClean="0"/>
+              <a:rPr lang="fr-FR" dirty="0"/>
               <a:t>Les erreurs "</a:t>
             </a:r>
             <a:r>
-              <a:rPr lang="en-US" dirty="0" smtClean="0"/>
-              <a:t>Does </a:t>
-            </a:r>
-            <a:r>
               <a:rPr lang="en-US" dirty="0"/>
-              <a:t>not register a service worker” </a:t>
-            </a:r>
-            <a:r>
-              <a:rPr lang="en-US" dirty="0" smtClean="0"/>
-              <a:t>et “Does </a:t>
+              <a:t>Does not register a service worker” et “Does not respond with a 200 when offline" </a:t>
+            </a:r>
+            <a:r>
+              <a:rPr lang="en-US" dirty="0" err="1"/>
+              <a:t>sont</a:t>
             </a:r>
             <a:r>
               <a:rPr lang="en-US" dirty="0"/>
-              <a:t>not respond with a 200 when </a:t>
-            </a:r>
-            <a:r>
-              <a:rPr lang="en-US" dirty="0" smtClean="0"/>
-              <a:t>offline" </a:t>
-            </a:r>
-            <a:r>
-              <a:rPr lang="en-US" dirty="0" err="1" smtClean="0"/>
-              <a:t>sont</a:t>
-            </a:r>
-            <a:r>
-              <a:rPr lang="en-US" dirty="0" smtClean="0"/>
               <a:t> </a:t>
             </a:r>
             <a:r>
-              <a:rPr lang="en-US" dirty="0" err="1" smtClean="0"/>
+              <a:rPr lang="en-US" dirty="0" err="1"/>
               <a:t>liées</a:t>
             </a:r>
             <a:r>
-              <a:rPr lang="en-US" dirty="0" smtClean="0"/>
+              <a:rPr lang="en-US" dirty="0"/>
               <a:t> au Service Worker</a:t>
             </a:r>
           </a:p>
           <a:p>
             <a:r>
-              <a:rPr lang="en-US" dirty="0" smtClean="0"/>
+              <a:rPr lang="en-US" dirty="0"/>
               <a:t>Un Service Worker </a:t>
             </a:r>
             <a:r>
-              <a:rPr lang="en-US" dirty="0" err="1" smtClean="0"/>
+              <a:rPr lang="en-US" dirty="0" err="1"/>
               <a:t>permet</a:t>
             </a:r>
             <a:r>
-              <a:rPr lang="en-US" dirty="0" smtClean="0"/>
+              <a:rPr lang="en-US" dirty="0"/>
               <a:t> </a:t>
             </a:r>
             <a:r>
-              <a:rPr lang="en-US" dirty="0" err="1" smtClean="0"/>
+              <a:rPr lang="en-US" dirty="0" err="1"/>
               <a:t>d'intercepter</a:t>
             </a:r>
             <a:r>
-              <a:rPr lang="en-US" dirty="0" smtClean="0"/>
+              <a:rPr lang="en-US" dirty="0"/>
               <a:t> des </a:t>
             </a:r>
             <a:r>
-              <a:rPr lang="en-US" dirty="0" err="1" smtClean="0"/>
+              <a:rPr lang="en-US" dirty="0" err="1"/>
               <a:t>requêtes</a:t>
             </a:r>
             <a:r>
-              <a:rPr lang="en-US" dirty="0" smtClean="0"/>
+              <a:rPr lang="en-US" dirty="0"/>
               <a:t> </a:t>
             </a:r>
             <a:r>
-              <a:rPr lang="en-US" dirty="0" err="1" smtClean="0"/>
+              <a:rPr lang="en-US" dirty="0" err="1"/>
               <a:t>réseaux</a:t>
             </a:r>
             <a:r>
-              <a:rPr lang="en-US" dirty="0" smtClean="0"/>
+              <a:rPr lang="en-US" dirty="0"/>
               <a:t> pour </a:t>
             </a:r>
             <a:r>
-              <a:rPr lang="en-US" dirty="0" err="1" smtClean="0"/>
+              <a:rPr lang="en-US" dirty="0" err="1"/>
               <a:t>inscrire</a:t>
             </a:r>
             <a:r>
-              <a:rPr lang="en-US" dirty="0" smtClean="0"/>
+              <a:rPr lang="en-US" dirty="0"/>
               <a:t> les </a:t>
             </a:r>
             <a:r>
-              <a:rPr lang="en-US" dirty="0" err="1" smtClean="0"/>
+              <a:rPr lang="en-US" dirty="0" err="1"/>
               <a:t>fichiers</a:t>
             </a:r>
             <a:r>
-              <a:rPr lang="en-US" dirty="0" smtClean="0"/>
+              <a:rPr lang="en-US" dirty="0"/>
               <a:t> </a:t>
             </a:r>
             <a:r>
-              <a:rPr lang="en-US" dirty="0" err="1" smtClean="0"/>
+              <a:rPr lang="en-US" dirty="0" err="1"/>
               <a:t>dans</a:t>
             </a:r>
             <a:r>
-              <a:rPr lang="en-US" dirty="0" smtClean="0"/>
+              <a:rPr lang="en-US" dirty="0"/>
               <a:t> le cache</a:t>
             </a:r>
           </a:p>
           <a:p>
             <a:r>
-              <a:rPr lang="en-US" dirty="0" smtClean="0"/>
+              <a:rPr lang="en-US" dirty="0"/>
               <a:t>Il </a:t>
             </a:r>
             <a:r>
-              <a:rPr lang="en-US" dirty="0" err="1" smtClean="0"/>
+              <a:rPr lang="en-US" dirty="0" err="1"/>
               <a:t>suffit</a:t>
             </a:r>
             <a:r>
-              <a:rPr lang="en-US" dirty="0" smtClean="0"/>
+              <a:rPr lang="en-US" dirty="0"/>
               <a:t> </a:t>
             </a:r>
             <a:r>
-              <a:rPr lang="en-US" dirty="0" err="1" smtClean="0"/>
+              <a:rPr lang="en-US" dirty="0" err="1"/>
               <a:t>d'enregister</a:t>
             </a:r>
             <a:r>
-              <a:rPr lang="en-US" dirty="0" smtClean="0"/>
+              <a:rPr lang="en-US" dirty="0"/>
               <a:t> un SW et </a:t>
             </a:r>
             <a:r>
-              <a:rPr lang="en-US" dirty="0" err="1" smtClean="0"/>
+              <a:rPr lang="en-US" dirty="0" err="1"/>
               <a:t>d'utiliser</a:t>
             </a:r>
             <a:r>
-              <a:rPr lang="en-US" dirty="0" smtClean="0"/>
+              <a:rPr lang="en-US" dirty="0"/>
               <a:t> les </a:t>
             </a:r>
             <a:r>
-              <a:rPr lang="en-US" dirty="0" err="1" smtClean="0"/>
+              <a:rPr lang="en-US" dirty="0" err="1"/>
               <a:t>fichiers</a:t>
             </a:r>
             <a:r>
-              <a:rPr lang="en-US" dirty="0" smtClean="0"/>
+              <a:rPr lang="en-US" dirty="0"/>
               <a:t> du cache </a:t>
             </a:r>
             <a:r>
-              <a:rPr lang="en-US" dirty="0" err="1" smtClean="0"/>
+              <a:rPr lang="en-US" dirty="0" err="1"/>
               <a:t>localement</a:t>
             </a:r>
-            <a:endParaRPr lang="en-US" dirty="0" smtClean="0"/>
+            <a:endParaRPr lang="en-US" dirty="0"/>
           </a:p>
           <a:p>
             <a:pPr lvl="1"/>
             <a:r>
-              <a:rPr lang="en-US" dirty="0" err="1" smtClean="0"/>
+              <a:rPr lang="en-US" dirty="0" err="1"/>
               <a:t>Quand</a:t>
             </a:r>
             <a:r>
-              <a:rPr lang="en-US" dirty="0" smtClean="0"/>
+              <a:rPr lang="en-US" dirty="0"/>
               <a:t> le </a:t>
             </a:r>
             <a:r>
-              <a:rPr lang="en-US" dirty="0" err="1" smtClean="0"/>
+              <a:rPr lang="en-US" dirty="0" err="1"/>
               <a:t>réseau</a:t>
             </a:r>
             <a:r>
-              <a:rPr lang="en-US" dirty="0" smtClean="0"/>
+              <a:rPr lang="en-US" dirty="0"/>
               <a:t> sera inaccessible SW </a:t>
             </a:r>
             <a:r>
-              <a:rPr lang="en-US" dirty="0" err="1" smtClean="0"/>
+              <a:rPr lang="en-US" dirty="0" err="1"/>
               <a:t>servira</a:t>
             </a:r>
             <a:r>
-              <a:rPr lang="en-US" dirty="0" smtClean="0"/>
+              <a:rPr lang="en-US" dirty="0"/>
               <a:t> la version cache des </a:t>
             </a:r>
             <a:r>
-              <a:rPr lang="en-US" dirty="0" err="1" smtClean="0"/>
+              <a:rPr lang="en-US" dirty="0" err="1"/>
               <a:t>fichiers</a:t>
             </a:r>
-            <a:endParaRPr lang="en-US" dirty="0" smtClean="0"/>
+            <a:endParaRPr lang="en-US" dirty="0"/>
           </a:p>
           <a:p>
             <a:pPr lvl="1"/>
@@ -4442,13 +4377,6 @@
   <p:clrMapOvr>
     <a:masterClrMapping/>
   </p:clrMapOvr>
-  <p:timing>
-    <p:tnLst>
-      <p:par>
-        <p:cTn id="1" dur="indefinite" restart="never" nodeType="tmRoot"/>
-      </p:par>
-    </p:tnLst>
-  </p:timing>
 </p:sld>
 </file>
 
@@ -4485,10 +4413,9 @@
           <a:lstStyle/>
           <a:p>
             <a:r>
-              <a:rPr lang="fr-FR" dirty="0" smtClean="0"/>
+              <a:rPr lang="fr-FR" dirty="0"/>
               <a:t>Content Security Policy</a:t>
             </a:r>
-            <a:endParaRPr lang="fr-FR" dirty="0"/>
           </a:p>
         </p:txBody>
       </p:sp>
@@ -4508,42 +4435,38 @@
           <a:lstStyle/>
           <a:p>
             <a:r>
-              <a:rPr lang="fr-FR" dirty="0" smtClean="0"/>
+              <a:rPr lang="fr-FR" dirty="0"/>
               <a:t>CSP est une nome W3C</a:t>
             </a:r>
           </a:p>
           <a:p>
             <a:pPr lvl="1"/>
             <a:r>
-              <a:rPr lang="fr-FR" dirty="0" smtClean="0"/>
+              <a:rPr lang="fr-FR" dirty="0"/>
               <a:t>Il s'agit d'une balise de &lt;</a:t>
             </a:r>
             <a:r>
-              <a:rPr lang="fr-FR" dirty="0" err="1" smtClean="0"/>
+              <a:rPr lang="fr-FR" dirty="0" err="1"/>
               <a:t>head</a:t>
             </a:r>
             <a:r>
-              <a:rPr lang="fr-FR" dirty="0" smtClean="0"/>
+              <a:rPr lang="fr-FR" dirty="0"/>
               <a:t>&gt; de index.html</a:t>
             </a:r>
           </a:p>
           <a:p>
             <a:pPr lvl="1"/>
             <a:r>
-              <a:rPr lang="fr-FR" dirty="0" smtClean="0"/>
+              <a:rPr lang="fr-FR" dirty="0"/>
               <a:t>&lt;</a:t>
             </a:r>
             <a:r>
-              <a:rPr lang="fr-FR" dirty="0" err="1" smtClean="0"/>
+              <a:rPr lang="fr-FR" dirty="0" err="1"/>
               <a:t>meta</a:t>
             </a:r>
             <a:r>
-              <a:rPr lang="fr-FR" dirty="0" smtClean="0"/>
-              <a:t> </a:t>
-            </a:r>
-            <a:r>
-              <a:rPr lang="fr-FR" dirty="0"/>
-              <a:t>http-</a:t>
+              <a:rPr lang="fr-FR" dirty="0"/>
+              <a:t> http-</a:t>
             </a:r>
             <a:r>
               <a:rPr lang="fr-FR" dirty="0" err="1"/>
@@ -4551,24 +4474,20 @@
             </a:r>
             <a:r>
               <a:rPr lang="fr-FR" dirty="0"/>
-              <a:t>="Content-Security-Policy</a:t>
-            </a:r>
-            <a:r>
-              <a:rPr lang="fr-FR" dirty="0" smtClean="0"/>
-              <a:t>"&gt;</a:t>
+              <a:t>="Content-Security-Policy"&gt;</a:t>
             </a:r>
           </a:p>
           <a:p>
             <a:pPr lvl="1"/>
             <a:r>
-              <a:rPr lang="fr-FR" dirty="0" smtClean="0"/>
+              <a:rPr lang="fr-FR" dirty="0"/>
               <a:t>Permet d'éviter les XSS</a:t>
             </a:r>
           </a:p>
           <a:p>
             <a:pPr lvl="1"/>
             <a:r>
-              <a:rPr lang="fr-FR" dirty="0" smtClean="0"/>
+              <a:rPr lang="fr-FR" dirty="0"/>
               <a:t>Définit les sites autorisés et interdits pour les différents types de services</a:t>
             </a:r>
           </a:p>
@@ -4592,13 +4511,6 @@
   <p:clrMapOvr>
     <a:masterClrMapping/>
   </p:clrMapOvr>
-  <p:timing>
-    <p:tnLst>
-      <p:par>
-        <p:cTn id="1" dur="indefinite" restart="never" nodeType="tmRoot"/>
-      </p:par>
-    </p:tnLst>
-  </p:timing>
 </p:sld>
 </file>
 
@@ -4635,10 +4547,9 @@
           <a:lstStyle/>
           <a:p>
             <a:r>
-              <a:rPr lang="fr-FR" dirty="0" smtClean="0"/>
+              <a:rPr lang="fr-FR" dirty="0"/>
               <a:t>Exemple CSP</a:t>
             </a:r>
-            <a:endParaRPr lang="fr-FR" dirty="0"/>
           </a:p>
         </p:txBody>
       </p:sp>
@@ -4676,13 +4587,6 @@
   <p:clrMapOvr>
     <a:masterClrMapping/>
   </p:clrMapOvr>
-  <p:timing>
-    <p:tnLst>
-      <p:par>
-        <p:cTn id="1" dur="indefinite" restart="never" nodeType="tmRoot"/>
-      </p:par>
-    </p:tnLst>
-  </p:timing>
 </p:sld>
 </file>
 
@@ -4719,14 +4623,13 @@
           <a:lstStyle/>
           <a:p>
             <a:r>
-              <a:rPr lang="fr-FR" dirty="0" err="1" smtClean="0"/>
+              <a:rPr lang="fr-FR" dirty="0" err="1"/>
               <a:t>Angular</a:t>
             </a:r>
             <a:r>
-              <a:rPr lang="fr-FR" dirty="0" smtClean="0"/>
+              <a:rPr lang="fr-FR" dirty="0"/>
               <a:t> PWA</a:t>
             </a:r>
-            <a:endParaRPr lang="fr-FR" dirty="0"/>
           </a:p>
         </p:txBody>
       </p:sp>
@@ -4746,25 +4649,25 @@
           <a:lstStyle/>
           <a:p>
             <a:r>
-              <a:rPr lang="fr-FR" dirty="0" smtClean="0"/>
+              <a:rPr lang="fr-FR" dirty="0"/>
               <a:t>Pour ajouter les fonctionnalités PWA à </a:t>
             </a:r>
             <a:r>
-              <a:rPr lang="fr-FR" dirty="0" err="1" smtClean="0"/>
+              <a:rPr lang="fr-FR" dirty="0" err="1"/>
               <a:t>Angular</a:t>
             </a:r>
             <a:r>
-              <a:rPr lang="fr-FR" dirty="0" smtClean="0"/>
+              <a:rPr lang="fr-FR" dirty="0"/>
               <a:t> il suffit d'effectuer</a:t>
             </a:r>
           </a:p>
           <a:p>
             <a:r>
-              <a:rPr lang="fr-FR" dirty="0" err="1" smtClean="0"/>
+              <a:rPr lang="fr-FR" dirty="0" err="1"/>
               <a:t>ng</a:t>
             </a:r>
             <a:r>
-              <a:rPr lang="fr-FR" dirty="0" smtClean="0"/>
+              <a:rPr lang="fr-FR" dirty="0"/>
               <a:t> </a:t>
             </a:r>
             <a:r>
@@ -4776,44 +4679,44 @@
               <a:t> @</a:t>
             </a:r>
             <a:r>
-              <a:rPr lang="fr-FR" dirty="0" err="1" smtClean="0"/>
+              <a:rPr lang="fr-FR" dirty="0" err="1"/>
               <a:t>angular</a:t>
             </a:r>
             <a:r>
-              <a:rPr lang="fr-FR" dirty="0" smtClean="0"/>
+              <a:rPr lang="fr-FR" dirty="0"/>
               <a:t>/</a:t>
             </a:r>
             <a:r>
-              <a:rPr lang="fr-FR" dirty="0" err="1" smtClean="0"/>
+              <a:rPr lang="fr-FR" dirty="0" err="1"/>
               <a:t>pwa</a:t>
             </a:r>
-            <a:endParaRPr lang="fr-FR" dirty="0" smtClean="0"/>
-          </a:p>
-          <a:p>
-            <a:r>
-              <a:rPr lang="fr-FR" dirty="0" smtClean="0"/>
+            <a:endParaRPr lang="fr-FR" dirty="0"/>
+          </a:p>
+          <a:p>
+            <a:r>
+              <a:rPr lang="fr-FR" dirty="0"/>
               <a:t>Les éléments suivants sont ajoutés :</a:t>
             </a:r>
           </a:p>
           <a:p>
             <a:pPr lvl="1"/>
             <a:r>
-              <a:rPr lang="fr-FR" dirty="0" smtClean="0"/>
+              <a:rPr lang="fr-FR" dirty="0"/>
               <a:t>Un </a:t>
             </a:r>
             <a:r>
-              <a:rPr lang="fr-FR" dirty="0" err="1" smtClean="0"/>
+              <a:rPr lang="fr-FR" dirty="0" err="1"/>
               <a:t>manifest.webmanifest</a:t>
             </a:r>
             <a:r>
-              <a:rPr lang="fr-FR" dirty="0" smtClean="0"/>
+              <a:rPr lang="fr-FR" dirty="0"/>
               <a:t> lié à index.html dans </a:t>
             </a:r>
             <a:r>
-              <a:rPr lang="fr-FR" dirty="0" err="1" smtClean="0"/>
+              <a:rPr lang="fr-FR" dirty="0" err="1"/>
               <a:t>src</a:t>
             </a:r>
-            <a:endParaRPr lang="fr-FR" dirty="0" smtClean="0"/>
+            <a:endParaRPr lang="fr-FR" dirty="0"/>
           </a:p>
           <a:p>
             <a:pPr lvl="1"/>
@@ -4822,42 +4725,33 @@
               <a:t>Différentes icônes dans </a:t>
             </a:r>
             <a:r>
-              <a:rPr lang="fr-FR" dirty="0" err="1" smtClean="0"/>
+              <a:rPr lang="fr-FR" dirty="0" err="1"/>
               <a:t>src</a:t>
             </a:r>
             <a:r>
-              <a:rPr lang="fr-FR" dirty="0" smtClean="0"/>
+              <a:rPr lang="fr-FR" dirty="0"/>
               <a:t>/</a:t>
             </a:r>
             <a:r>
-              <a:rPr lang="fr-FR" dirty="0" err="1" smtClean="0"/>
+              <a:rPr lang="fr-FR" dirty="0" err="1"/>
               <a:t>assets</a:t>
             </a:r>
             <a:r>
-              <a:rPr lang="fr-FR" dirty="0" smtClean="0"/>
+              <a:rPr lang="fr-FR" dirty="0"/>
               <a:t>/</a:t>
             </a:r>
             <a:r>
-              <a:rPr lang="fr-FR" dirty="0" err="1" smtClean="0"/>
+              <a:rPr lang="fr-FR" dirty="0" err="1"/>
               <a:t>icons</a:t>
             </a:r>
-            <a:endParaRPr lang="fr-FR" dirty="0" smtClean="0"/>
+            <a:endParaRPr lang="fr-FR" dirty="0"/>
           </a:p>
           <a:p>
             <a:pPr lvl="1"/>
             <a:r>
-              <a:rPr lang="fr-FR" dirty="0" smtClean="0"/>
-              <a:t>Le SW </a:t>
-            </a:r>
-            <a:r>
-              <a:rPr lang="fr-FR" dirty="0"/>
-              <a:t>ngsw-worker.js</a:t>
-            </a:r>
-            <a:r>
-              <a:rPr lang="fr-FR" dirty="0" smtClean="0"/>
-              <a:t> </a:t>
-            </a:r>
-            <a:endParaRPr lang="fr-FR" dirty="0"/>
+              <a:rPr lang="fr-FR" dirty="0"/>
+              <a:t>Le SW ngsw-worker.js </a:t>
+            </a:r>
           </a:p>
           <a:p>
             <a:endParaRPr lang="fr-FR" dirty="0"/>
@@ -4874,13 +4768,6 @@
   <p:clrMapOvr>
     <a:masterClrMapping/>
   </p:clrMapOvr>
-  <p:timing>
-    <p:tnLst>
-      <p:par>
-        <p:cTn id="1" dur="indefinite" restart="never" nodeType="tmRoot"/>
-      </p:par>
-    </p:tnLst>
-  </p:timing>
 </p:sld>
 </file>
 
@@ -4917,7 +4804,7 @@
           <a:lstStyle/>
           <a:p>
             <a:r>
-              <a:rPr lang="fr-FR" dirty="0" err="1" smtClean="0"/>
+              <a:rPr lang="fr-FR" dirty="0" err="1"/>
               <a:t>Manifest</a:t>
             </a:r>
             <a:endParaRPr lang="fr-FR" dirty="0"/>
@@ -4945,36 +4832,36 @@
           <a:lstStyle/>
           <a:p>
             <a:r>
-              <a:rPr lang="fr-FR" dirty="0" smtClean="0"/>
+              <a:rPr lang="fr-FR" dirty="0"/>
               <a:t>Le manifeste dans </a:t>
             </a:r>
             <a:r>
-              <a:rPr lang="fr-FR" dirty="0" err="1" smtClean="0"/>
+              <a:rPr lang="fr-FR" dirty="0" err="1"/>
               <a:t>src</a:t>
             </a:r>
             <a:r>
-              <a:rPr lang="fr-FR" dirty="0" smtClean="0"/>
+              <a:rPr lang="fr-FR" dirty="0"/>
               <a:t> décrit l'application et les icônes</a:t>
             </a:r>
           </a:p>
           <a:p>
             <a:r>
-              <a:rPr lang="fr-FR" dirty="0" smtClean="0"/>
+              <a:rPr lang="fr-FR" dirty="0"/>
               <a:t>Le lien a été ajouté dans index.html</a:t>
             </a:r>
           </a:p>
           <a:p>
             <a:pPr lvl="1"/>
             <a:r>
-              <a:rPr lang="fr-FR" dirty="0" smtClean="0"/>
+              <a:rPr lang="fr-FR" dirty="0"/>
               <a:t>&lt;</a:t>
             </a:r>
             <a:r>
-              <a:rPr lang="fr-FR" dirty="0" err="1" smtClean="0"/>
+              <a:rPr lang="fr-FR" dirty="0" err="1"/>
               <a:t>link</a:t>
             </a:r>
             <a:r>
-              <a:rPr lang="fr-FR" dirty="0" smtClean="0"/>
+              <a:rPr lang="fr-FR" dirty="0"/>
               <a:t> </a:t>
             </a:r>
             <a:r>
@@ -5006,43 +4893,43 @@
               <a:t>manifest.webmanifest</a:t>
             </a:r>
             <a:r>
-              <a:rPr lang="fr-FR" dirty="0" smtClean="0"/>
+              <a:rPr lang="fr-FR" dirty="0"/>
               <a:t>"&gt;</a:t>
             </a:r>
           </a:p>
           <a:p>
             <a:r>
-              <a:rPr lang="fr-FR" dirty="0" smtClean="0"/>
+              <a:rPr lang="fr-FR" dirty="0"/>
               <a:t>Le display est:</a:t>
             </a:r>
           </a:p>
           <a:p>
             <a:pPr lvl="1"/>
             <a:r>
-              <a:rPr lang="fr-FR" dirty="0" smtClean="0"/>
+              <a:rPr lang="fr-FR" dirty="0"/>
               <a:t>browser, </a:t>
             </a:r>
             <a:r>
-              <a:rPr lang="fr-FR" dirty="0" err="1" smtClean="0"/>
+              <a:rPr lang="fr-FR" dirty="0" err="1"/>
               <a:t>standalone</a:t>
             </a:r>
             <a:r>
-              <a:rPr lang="fr-FR" dirty="0" smtClean="0"/>
+              <a:rPr lang="fr-FR" dirty="0"/>
               <a:t>, minimal-</a:t>
             </a:r>
             <a:r>
-              <a:rPr lang="fr-FR" dirty="0" err="1" smtClean="0"/>
+              <a:rPr lang="fr-FR" dirty="0" err="1"/>
               <a:t>ui</a:t>
             </a:r>
             <a:r>
-              <a:rPr lang="fr-FR" dirty="0" smtClean="0"/>
+              <a:rPr lang="fr-FR" dirty="0"/>
               <a:t>, </a:t>
             </a:r>
             <a:r>
-              <a:rPr lang="fr-FR" dirty="0" err="1" smtClean="0"/>
+              <a:rPr lang="fr-FR" dirty="0" err="1"/>
               <a:t>fullscreen</a:t>
             </a:r>
-            <a:endParaRPr lang="fr-FR" dirty="0" smtClean="0"/>
+            <a:endParaRPr lang="fr-FR" dirty="0"/>
           </a:p>
           <a:p>
             <a:endParaRPr lang="fr-FR" dirty="0"/>
@@ -5083,13 +4970,6 @@
   <p:clrMapOvr>
     <a:masterClrMapping/>
   </p:clrMapOvr>
-  <p:timing>
-    <p:tnLst>
-      <p:par>
-        <p:cTn id="1" dur="indefinite" restart="never" nodeType="tmRoot"/>
-      </p:par>
-    </p:tnLst>
-  </p:timing>
 </p:sld>
 </file>
 
@@ -5126,11 +5006,11 @@
           <a:lstStyle/>
           <a:p>
             <a:r>
-              <a:rPr lang="fr-FR" smtClean="0"/>
+              <a:rPr lang="fr-FR"/>
               <a:t>Service </a:t>
             </a:r>
             <a:r>
-              <a:rPr lang="fr-FR" dirty="0" err="1" smtClean="0"/>
+              <a:rPr lang="fr-FR" dirty="0" err="1"/>
               <a:t>Worker</a:t>
             </a:r>
             <a:endParaRPr lang="fr-FR" dirty="0"/>
@@ -5153,60 +5033,60 @@
           <a:lstStyle/>
           <a:p>
             <a:r>
-              <a:rPr lang="fr-FR" dirty="0" err="1" smtClean="0"/>
+              <a:rPr lang="fr-FR" dirty="0" err="1"/>
               <a:t>Angular</a:t>
             </a:r>
             <a:r>
-              <a:rPr lang="fr-FR" dirty="0" smtClean="0"/>
+              <a:rPr lang="fr-FR" dirty="0"/>
               <a:t> SW effectue</a:t>
             </a:r>
           </a:p>
           <a:p>
             <a:pPr lvl="1"/>
             <a:r>
-              <a:rPr lang="fr-FR" dirty="0" smtClean="0"/>
+              <a:rPr lang="fr-FR" dirty="0"/>
               <a:t>Mise en cache des fichiers html, </a:t>
             </a:r>
             <a:r>
-              <a:rPr lang="fr-FR" dirty="0" err="1" smtClean="0"/>
+              <a:rPr lang="fr-FR" dirty="0" err="1"/>
               <a:t>css</a:t>
             </a:r>
             <a:r>
-              <a:rPr lang="fr-FR" dirty="0" smtClean="0"/>
+              <a:rPr lang="fr-FR" dirty="0"/>
               <a:t>, </a:t>
             </a:r>
             <a:r>
-              <a:rPr lang="fr-FR" dirty="0" err="1" smtClean="0"/>
+              <a:rPr lang="fr-FR" dirty="0" err="1"/>
               <a:t>js</a:t>
             </a:r>
             <a:r>
-              <a:rPr lang="fr-FR" dirty="0" smtClean="0"/>
+              <a:rPr lang="fr-FR" dirty="0"/>
               <a:t> et </a:t>
             </a:r>
             <a:r>
-              <a:rPr lang="fr-FR" dirty="0" err="1" smtClean="0"/>
+              <a:rPr lang="fr-FR" dirty="0" err="1"/>
               <a:t>assets</a:t>
             </a:r>
-            <a:endParaRPr lang="fr-FR" dirty="0" smtClean="0"/>
+            <a:endParaRPr lang="fr-FR" dirty="0"/>
           </a:p>
           <a:p>
             <a:pPr lvl="1"/>
             <a:r>
-              <a:rPr lang="fr-FR" dirty="0" smtClean="0"/>
+              <a:rPr lang="fr-FR" dirty="0"/>
               <a:t>Le cache fonctionne comme une transaction, tous les fichiers sont mis en cache si un seul fichier est e décalage par rapport aux autres jour l'application risque de ne plus fonctionner</a:t>
             </a:r>
           </a:p>
           <a:p>
             <a:pPr lvl="1"/>
             <a:r>
-              <a:rPr lang="fr-FR" dirty="0" smtClean="0"/>
+              <a:rPr lang="fr-FR" dirty="0"/>
               <a:t>Si l'application est rafraichie, c'est la version en cache qui est utilisée</a:t>
             </a:r>
           </a:p>
           <a:p>
             <a:pPr lvl="1"/>
             <a:r>
-              <a:rPr lang="fr-FR" dirty="0" smtClean="0"/>
+              <a:rPr lang="fr-FR" dirty="0"/>
               <a:t>Si un fichier est mis à jour, le cache est mis à jour en mode transaction assez rapidement</a:t>
             </a:r>
           </a:p>
@@ -5226,13 +5106,6 @@
   <p:clrMapOvr>
     <a:masterClrMapping/>
   </p:clrMapOvr>
-  <p:timing>
-    <p:tnLst>
-      <p:par>
-        <p:cTn id="1" dur="indefinite" restart="never" nodeType="tmRoot"/>
-      </p:par>
-    </p:tnLst>
-  </p:timing>
 </p:sld>
 </file>
 
@@ -5269,10 +5142,9 @@
           <a:lstStyle/>
           <a:p>
             <a:r>
-              <a:rPr lang="fr-FR" dirty="0" smtClean="0"/>
+              <a:rPr lang="fr-FR" dirty="0"/>
               <a:t>SW</a:t>
             </a:r>
-            <a:endParaRPr lang="fr-FR" dirty="0"/>
           </a:p>
         </p:txBody>
       </p:sp>
@@ -5297,26 +5169,26 @@
           <a:lstStyle/>
           <a:p>
             <a:r>
-              <a:rPr lang="fr-FR" dirty="0" smtClean="0"/>
+              <a:rPr lang="fr-FR" dirty="0"/>
               <a:t>SW a été ajouté via le fichier </a:t>
             </a:r>
             <a:r>
-              <a:rPr lang="fr-FR" dirty="0" err="1" smtClean="0"/>
+              <a:rPr lang="fr-FR" dirty="0" err="1"/>
               <a:t>ngsw-config.json</a:t>
             </a:r>
             <a:endParaRPr lang="fr-FR" dirty="0"/>
           </a:p>
           <a:p>
             <a:r>
-              <a:rPr lang="fr-FR" dirty="0" err="1" smtClean="0"/>
+              <a:rPr lang="fr-FR" dirty="0" err="1"/>
               <a:t>ServiceWorkerModule</a:t>
             </a:r>
             <a:r>
-              <a:rPr lang="fr-FR" dirty="0" smtClean="0"/>
+              <a:rPr lang="fr-FR" dirty="0"/>
               <a:t> a été installé et importé dans </a:t>
             </a:r>
             <a:r>
-              <a:rPr lang="fr-FR" dirty="0" err="1" smtClean="0"/>
+              <a:rPr lang="fr-FR" dirty="0" err="1"/>
               <a:t>AppModule</a:t>
             </a:r>
             <a:endParaRPr lang="fr-FR" dirty="0"/>
@@ -5357,13 +5229,6 @@
   <p:clrMapOvr>
     <a:masterClrMapping/>
   </p:clrMapOvr>
-  <p:timing>
-    <p:tnLst>
-      <p:par>
-        <p:cTn id="1" dur="indefinite" restart="never" nodeType="tmRoot"/>
-      </p:par>
-    </p:tnLst>
-  </p:timing>
 </p:sld>
 </file>
 
@@ -5400,10 +5265,9 @@
           <a:lstStyle/>
           <a:p>
             <a:r>
-              <a:rPr lang="fr-FR" dirty="0" smtClean="0"/>
+              <a:rPr lang="fr-FR" dirty="0"/>
               <a:t>Chrome SW</a:t>
             </a:r>
-            <a:endParaRPr lang="fr-FR" dirty="0"/>
           </a:p>
         </p:txBody>
       </p:sp>
@@ -5423,10 +5287,9 @@
           <a:lstStyle/>
           <a:p>
             <a:r>
-              <a:rPr lang="fr-FR" dirty="0" smtClean="0"/>
+              <a:rPr lang="fr-FR" dirty="0"/>
               <a:t>Il est possible de débuguer les SW dans Chrome</a:t>
             </a:r>
-            <a:endParaRPr lang="fr-FR" dirty="0"/>
           </a:p>
         </p:txBody>
       </p:sp>
@@ -5481,13 +5344,6 @@
   <p:clrMapOvr>
     <a:masterClrMapping/>
   </p:clrMapOvr>
-  <p:timing>
-    <p:tnLst>
-      <p:par>
-        <p:cTn id="1" dur="indefinite" restart="never" nodeType="tmRoot"/>
-      </p:par>
-    </p:tnLst>
-  </p:timing>
 </p:sld>
 </file>
 
@@ -5524,7 +5380,7 @@
           <a:lstStyle/>
           <a:p>
             <a:r>
-              <a:rPr lang="fr-FR" dirty="0" err="1" smtClean="0"/>
+              <a:rPr lang="fr-FR" dirty="0" err="1"/>
               <a:t>SWUpdate</a:t>
             </a:r>
             <a:endParaRPr lang="fr-FR" dirty="0"/>
@@ -5547,48 +5403,48 @@
           <a:lstStyle/>
           <a:p>
             <a:r>
-              <a:rPr lang="fr-FR" dirty="0" err="1" smtClean="0"/>
+              <a:rPr lang="fr-FR" dirty="0" err="1"/>
               <a:t>SWUpdate</a:t>
             </a:r>
             <a:r>
-              <a:rPr lang="fr-FR" dirty="0" smtClean="0"/>
+              <a:rPr lang="fr-FR" dirty="0"/>
               <a:t> est un service qui permet de savoir quand une mise à jour est disponible</a:t>
             </a:r>
           </a:p>
           <a:p>
             <a:pPr lvl="1"/>
             <a:r>
-              <a:rPr lang="fr-FR" dirty="0" smtClean="0"/>
+              <a:rPr lang="fr-FR" dirty="0"/>
               <a:t>Une mise à jour à lieue quand </a:t>
             </a:r>
             <a:r>
-              <a:rPr lang="fr-FR" dirty="0" err="1" smtClean="0"/>
+              <a:rPr lang="fr-FR" dirty="0" err="1"/>
               <a:t>ngsw-config.json</a:t>
             </a:r>
             <a:r>
-              <a:rPr lang="fr-FR" dirty="0" smtClean="0"/>
+              <a:rPr lang="fr-FR" dirty="0"/>
               <a:t> est mis à jour</a:t>
             </a:r>
           </a:p>
           <a:p>
             <a:pPr lvl="1"/>
             <a:r>
-              <a:rPr lang="fr-FR" dirty="0" err="1" smtClean="0"/>
+              <a:rPr lang="fr-FR" dirty="0" err="1"/>
               <a:t>checkForUpdate</a:t>
             </a:r>
             <a:r>
-              <a:rPr lang="fr-FR" dirty="0" smtClean="0"/>
+              <a:rPr lang="fr-FR" dirty="0"/>
               <a:t> permet de vérifier la maj</a:t>
             </a:r>
           </a:p>
           <a:p>
             <a:pPr lvl="1"/>
             <a:r>
-              <a:rPr lang="fr-FR" dirty="0" err="1" smtClean="0"/>
+              <a:rPr lang="fr-FR" dirty="0" err="1"/>
               <a:t>activateUpdate</a:t>
             </a:r>
             <a:r>
-              <a:rPr lang="fr-FR" dirty="0" smtClean="0"/>
+              <a:rPr lang="fr-FR" dirty="0"/>
               <a:t> permet d'effectuer la mise à jour</a:t>
             </a:r>
           </a:p>
@@ -5608,13 +5464,6 @@
   <p:clrMapOvr>
     <a:masterClrMapping/>
   </p:clrMapOvr>
-  <p:timing>
-    <p:tnLst>
-      <p:par>
-        <p:cTn id="1" dur="indefinite" restart="never" nodeType="tmRoot"/>
-      </p:par>
-    </p:tnLst>
-  </p:timing>
 </p:sld>
 </file>
 
@@ -5651,10 +5500,9 @@
           <a:lstStyle/>
           <a:p>
             <a:r>
-              <a:rPr lang="fr-FR" dirty="0" smtClean="0"/>
+              <a:rPr lang="fr-FR" dirty="0"/>
               <a:t>PWA</a:t>
             </a:r>
-            <a:endParaRPr lang="fr-FR" dirty="0"/>
           </a:p>
         </p:txBody>
       </p:sp>
@@ -5674,100 +5522,99 @@
           <a:lstStyle/>
           <a:p>
             <a:r>
-              <a:rPr lang="fr-FR" sz="2400" dirty="0" smtClean="0"/>
+              <a:rPr lang="fr-FR" sz="2400" dirty="0"/>
               <a:t>Progressive Web App</a:t>
             </a:r>
           </a:p>
           <a:p>
             <a:pPr lvl="1"/>
             <a:r>
-              <a:rPr lang="fr-FR" sz="2000" dirty="0" smtClean="0"/>
+              <a:rPr lang="fr-FR" sz="2000" dirty="0"/>
               <a:t>Une application PWA possède le capacités d'une application native</a:t>
             </a:r>
           </a:p>
           <a:p>
             <a:r>
-              <a:rPr lang="fr-FR" sz="2400" dirty="0" smtClean="0"/>
+              <a:rPr lang="fr-FR" sz="2400" dirty="0"/>
               <a:t>Elle doit être</a:t>
             </a:r>
           </a:p>
           <a:p>
             <a:pPr lvl="1"/>
             <a:r>
-              <a:rPr lang="fr-FR" sz="2000" dirty="0" smtClean="0"/>
+              <a:rPr lang="fr-FR" sz="2000" dirty="0"/>
               <a:t>Progressive</a:t>
             </a:r>
           </a:p>
           <a:p>
             <a:pPr lvl="1"/>
             <a:r>
-              <a:rPr lang="fr-FR" sz="2000" dirty="0" smtClean="0"/>
+              <a:rPr lang="fr-FR" sz="2000" dirty="0"/>
               <a:t>Responsive</a:t>
             </a:r>
           </a:p>
           <a:p>
             <a:pPr lvl="1"/>
             <a:r>
-              <a:rPr lang="fr-FR" sz="2000" dirty="0" smtClean="0"/>
+              <a:rPr lang="fr-FR" sz="2000" dirty="0"/>
               <a:t>Indépendante des connexions</a:t>
             </a:r>
           </a:p>
           <a:p>
             <a:pPr lvl="1"/>
             <a:r>
-              <a:rPr lang="fr-FR" sz="2000" dirty="0" smtClean="0"/>
+              <a:rPr lang="fr-FR" sz="2000" dirty="0"/>
               <a:t>App-</a:t>
             </a:r>
             <a:r>
-              <a:rPr lang="fr-FR" sz="2000" dirty="0" err="1" smtClean="0"/>
+              <a:rPr lang="fr-FR" sz="2000" dirty="0" err="1"/>
               <a:t>like</a:t>
             </a:r>
-            <a:endParaRPr lang="fr-FR" sz="2000" dirty="0" smtClean="0"/>
+            <a:endParaRPr lang="fr-FR" sz="2000" dirty="0"/>
           </a:p>
           <a:p>
             <a:pPr lvl="1"/>
             <a:r>
-              <a:rPr lang="fr-FR" sz="2000" dirty="0" smtClean="0"/>
+              <a:rPr lang="fr-FR" sz="2000" dirty="0"/>
               <a:t>A jour</a:t>
             </a:r>
           </a:p>
           <a:p>
             <a:pPr lvl="1"/>
             <a:r>
-              <a:rPr lang="fr-FR" sz="2000" dirty="0" smtClean="0"/>
+              <a:rPr lang="fr-FR" sz="2000" dirty="0"/>
               <a:t>Sûre</a:t>
             </a:r>
+          </a:p>
+          <a:p>
+            <a:pPr lvl="1"/>
+            <a:r>
+              <a:rPr lang="fr-FR" sz="2000" dirty="0"/>
+              <a:t>Découvrable</a:t>
+            </a:r>
+          </a:p>
+          <a:p>
+            <a:pPr lvl="1"/>
+            <a:r>
+              <a:rPr lang="fr-FR" sz="2000" dirty="0" err="1"/>
+              <a:t>Réengageable</a:t>
+            </a:r>
             <a:endParaRPr lang="fr-FR" sz="2000" dirty="0"/>
           </a:p>
           <a:p>
             <a:pPr lvl="1"/>
             <a:r>
-              <a:rPr lang="fr-FR" sz="2000" dirty="0" smtClean="0"/>
-              <a:t>Découvrable</a:t>
+              <a:rPr lang="fr-FR" sz="2000" dirty="0"/>
+              <a:t>Installable</a:t>
             </a:r>
           </a:p>
           <a:p>
             <a:pPr lvl="1"/>
             <a:r>
-              <a:rPr lang="fr-FR" sz="2000" dirty="0" err="1" smtClean="0"/>
-              <a:t>Réengageable</a:t>
-            </a:r>
-            <a:endParaRPr lang="fr-FR" sz="2000" dirty="0" smtClean="0"/>
-          </a:p>
-          <a:p>
-            <a:pPr lvl="1"/>
-            <a:r>
-              <a:rPr lang="fr-FR" sz="2000" dirty="0" smtClean="0"/>
-              <a:t>Installable</a:t>
-            </a:r>
-          </a:p>
-          <a:p>
-            <a:pPr lvl="1"/>
-            <a:r>
-              <a:rPr lang="fr-FR" sz="2000" dirty="0" err="1" smtClean="0"/>
+              <a:rPr lang="fr-FR" sz="2000" dirty="0" err="1"/>
               <a:t>Linkable</a:t>
             </a:r>
-            <a:endParaRPr lang="fr-FR" sz="2000" dirty="0" smtClean="0"/>
+            <a:endParaRPr lang="fr-FR" sz="2000" dirty="0"/>
           </a:p>
         </p:txBody>
       </p:sp>
@@ -5781,13 +5628,6 @@
   <p:clrMapOvr>
     <a:masterClrMapping/>
   </p:clrMapOvr>
-  <p:timing>
-    <p:tnLst>
-      <p:par>
-        <p:cTn id="1" dur="indefinite" restart="never" nodeType="tmRoot"/>
-      </p:par>
-    </p:tnLst>
-  </p:timing>
 </p:sld>
 </file>
 
@@ -5824,10 +5664,9 @@
           <a:lstStyle/>
           <a:p>
             <a:r>
-              <a:rPr lang="fr-FR" dirty="0" smtClean="0"/>
+              <a:rPr lang="fr-FR" dirty="0"/>
               <a:t>Mise en place d'un service de détection d'update</a:t>
             </a:r>
-            <a:endParaRPr lang="fr-FR" dirty="0"/>
           </a:p>
         </p:txBody>
       </p:sp>
@@ -5847,14 +5686,13 @@
           <a:lstStyle/>
           <a:p>
             <a:r>
-              <a:rPr lang="fr-FR" dirty="0" err="1" smtClean="0"/>
+              <a:rPr lang="fr-FR" dirty="0" err="1"/>
               <a:t>SWUpdate</a:t>
             </a:r>
             <a:r>
-              <a:rPr lang="fr-FR" dirty="0" smtClean="0"/>
+              <a:rPr lang="fr-FR" dirty="0"/>
               <a:t> devrait être mis dans un service</a:t>
             </a:r>
-            <a:endParaRPr lang="fr-FR" dirty="0"/>
           </a:p>
         </p:txBody>
       </p:sp>
@@ -5892,13 +5730,6 @@
   <p:clrMapOvr>
     <a:masterClrMapping/>
   </p:clrMapOvr>
-  <p:timing>
-    <p:tnLst>
-      <p:par>
-        <p:cTn id="1" dur="indefinite" restart="never" nodeType="tmRoot"/>
-      </p:par>
-    </p:tnLst>
-  </p:timing>
 </p:sld>
 </file>
 
@@ -5935,10 +5766,9 @@
           <a:lstStyle/>
           <a:p>
             <a:r>
-              <a:rPr lang="fr-FR" dirty="0" smtClean="0"/>
+              <a:rPr lang="fr-FR" dirty="0"/>
               <a:t>Service d'update</a:t>
             </a:r>
-            <a:endParaRPr lang="fr-FR" dirty="0"/>
           </a:p>
         </p:txBody>
       </p:sp>
@@ -5995,13 +5825,6 @@
   <p:clrMapOvr>
     <a:masterClrMapping/>
   </p:clrMapOvr>
-  <p:timing>
-    <p:tnLst>
-      <p:par>
-        <p:cTn id="1" dur="indefinite" restart="never" nodeType="tmRoot"/>
-      </p:par>
-    </p:tnLst>
-  </p:timing>
 </p:sld>
 </file>
 
@@ -6038,10 +5861,9 @@
           <a:lstStyle/>
           <a:p>
             <a:r>
-              <a:rPr lang="fr-FR" dirty="0" smtClean="0"/>
+              <a:rPr lang="fr-FR" dirty="0"/>
               <a:t>SW REST GET</a:t>
             </a:r>
-            <a:endParaRPr lang="fr-FR" dirty="0"/>
           </a:p>
         </p:txBody>
       </p:sp>
@@ -6061,33 +5883,33 @@
           <a:lstStyle/>
           <a:p>
             <a:r>
-              <a:rPr lang="fr-FR" dirty="0" smtClean="0"/>
+              <a:rPr lang="fr-FR" dirty="0"/>
               <a:t>Il est possible de cacher les services REST GET</a:t>
             </a:r>
           </a:p>
           <a:p>
             <a:r>
-              <a:rPr lang="fr-FR" dirty="0" smtClean="0"/>
+              <a:rPr lang="fr-FR" dirty="0"/>
               <a:t>Pour cela il faut créer un </a:t>
             </a:r>
             <a:r>
-              <a:rPr lang="fr-FR" dirty="0" err="1" smtClean="0"/>
+              <a:rPr lang="fr-FR" dirty="0" err="1"/>
               <a:t>datagroup</a:t>
             </a:r>
-            <a:endParaRPr lang="fr-FR" dirty="0" smtClean="0"/>
+            <a:endParaRPr lang="fr-FR" dirty="0"/>
           </a:p>
           <a:p>
             <a:pPr lvl="1"/>
             <a:r>
-              <a:rPr lang="fr-FR" dirty="0" smtClean="0"/>
+              <a:rPr lang="fr-FR" dirty="0"/>
               <a:t>En effet </a:t>
             </a:r>
             <a:r>
-              <a:rPr lang="fr-FR" dirty="0" err="1" smtClean="0"/>
+              <a:rPr lang="fr-FR" dirty="0" err="1"/>
               <a:t>assetgroup</a:t>
             </a:r>
             <a:r>
-              <a:rPr lang="fr-FR" dirty="0" smtClean="0"/>
+              <a:rPr lang="fr-FR" dirty="0"/>
               <a:t> cache uniquement les ressources statiques</a:t>
             </a:r>
           </a:p>
@@ -6364,14 +6186,10 @@
               </a:rPr>
               <a:t>}]</a:t>
             </a:r>
-            <a:endParaRPr lang="fr-FR" sz="1800" dirty="0" smtClean="0">
-              <a:latin typeface="Courier New" panose="02070309020205020404" pitchFamily="49" charset="0"/>
-              <a:cs typeface="Courier New" panose="02070309020205020404" pitchFamily="49" charset="0"/>
-            </a:endParaRPr>
           </a:p>
           <a:p>
             <a:pPr lvl="1"/>
-            <a:endParaRPr lang="fr-FR" dirty="0" smtClean="0"/>
+            <a:endParaRPr lang="fr-FR" dirty="0"/>
           </a:p>
           <a:p>
             <a:pPr lvl="1"/>
@@ -6389,13 +6207,6 @@
   <p:clrMapOvr>
     <a:masterClrMapping/>
   </p:clrMapOvr>
-  <p:timing>
-    <p:tnLst>
-      <p:par>
-        <p:cTn id="1" dur="indefinite" restart="never" nodeType="tmRoot"/>
-      </p:par>
-    </p:tnLst>
-  </p:timing>
 </p:sld>
 </file>
 
@@ -6432,7 +6243,7 @@
           <a:lstStyle/>
           <a:p>
             <a:r>
-              <a:rPr lang="fr-FR" dirty="0" err="1" smtClean="0"/>
+              <a:rPr lang="fr-FR" dirty="0" err="1"/>
               <a:t>IndexedDb</a:t>
             </a:r>
             <a:endParaRPr lang="fr-FR" dirty="0"/>
@@ -6455,24 +6266,24 @@
           <a:lstStyle/>
           <a:p>
             <a:r>
-              <a:rPr lang="fr-FR" dirty="0" smtClean="0"/>
+              <a:rPr lang="fr-FR" dirty="0"/>
               <a:t>SW ne prends pas en charge le POST ni le PUT</a:t>
             </a:r>
           </a:p>
           <a:p>
             <a:r>
-              <a:rPr lang="fr-FR" dirty="0" smtClean="0"/>
+              <a:rPr lang="fr-FR" dirty="0"/>
               <a:t>Pour cela il faut utiliser </a:t>
             </a:r>
             <a:r>
-              <a:rPr lang="fr-FR" dirty="0" err="1" smtClean="0"/>
+              <a:rPr lang="fr-FR" dirty="0" err="1"/>
               <a:t>IndexedDb</a:t>
             </a:r>
-            <a:endParaRPr lang="fr-FR" dirty="0" smtClean="0"/>
-          </a:p>
-          <a:p>
-            <a:r>
-              <a:rPr lang="fr-FR" dirty="0" smtClean="0"/>
+            <a:endParaRPr lang="fr-FR" dirty="0"/>
+          </a:p>
+          <a:p>
+            <a:r>
+              <a:rPr lang="fr-FR" dirty="0"/>
               <a:t>Installation</a:t>
             </a:r>
           </a:p>
@@ -6503,15 +6314,15 @@
               <a:t> --</a:t>
             </a:r>
             <a:r>
-              <a:rPr lang="fr-FR" dirty="0" err="1" smtClean="0"/>
+              <a:rPr lang="fr-FR" dirty="0" err="1"/>
               <a:t>save</a:t>
             </a:r>
-            <a:endParaRPr lang="fr-FR" dirty="0" smtClean="0"/>
+            <a:endParaRPr lang="fr-FR" dirty="0"/>
           </a:p>
           <a:p>
             <a:pPr lvl="1"/>
             <a:r>
-              <a:rPr lang="fr-FR" dirty="0" smtClean="0"/>
+              <a:rPr lang="fr-FR" dirty="0"/>
               <a:t>exemple</a:t>
             </a:r>
           </a:p>
@@ -6540,13 +6351,6 @@
   <p:clrMapOvr>
     <a:masterClrMapping/>
   </p:clrMapOvr>
-  <p:timing>
-    <p:tnLst>
-      <p:par>
-        <p:cTn id="1" dur="indefinite" restart="never" nodeType="tmRoot"/>
-      </p:par>
-    </p:tnLst>
-  </p:timing>
 </p:sld>
 </file>
 
@@ -6583,10 +6387,9 @@
           <a:lstStyle/>
           <a:p>
             <a:r>
-              <a:rPr lang="fr-FR" dirty="0" smtClean="0"/>
+              <a:rPr lang="fr-FR" dirty="0"/>
               <a:t>Progressive</a:t>
             </a:r>
-            <a:endParaRPr lang="fr-FR" dirty="0"/>
           </a:p>
         </p:txBody>
       </p:sp>
@@ -6606,33 +6409,33 @@
           <a:lstStyle/>
           <a:p>
             <a:r>
-              <a:rPr lang="fr-FR" dirty="0" smtClean="0"/>
+              <a:rPr lang="fr-FR" dirty="0"/>
               <a:t>Marche pour tous le monde quelque soit le navigateur</a:t>
             </a:r>
           </a:p>
           <a:p>
             <a:r>
-              <a:rPr lang="fr-FR" dirty="0" smtClean="0"/>
+              <a:rPr lang="fr-FR" dirty="0"/>
               <a:t>Responsive</a:t>
             </a:r>
           </a:p>
           <a:p>
             <a:pPr lvl="1"/>
             <a:r>
-              <a:rPr lang="fr-FR" dirty="0" smtClean="0"/>
+              <a:rPr lang="fr-FR" dirty="0"/>
               <a:t>Marche pour n'importe quel média et résolution</a:t>
             </a:r>
           </a:p>
           <a:p>
             <a:r>
-              <a:rPr lang="fr-FR" dirty="0" smtClean="0"/>
+              <a:rPr lang="fr-FR" dirty="0"/>
               <a:t>Indépendante des connexions</a:t>
             </a:r>
           </a:p>
           <a:p>
             <a:pPr lvl="1"/>
             <a:r>
-              <a:rPr lang="fr-FR" dirty="0" smtClean="0"/>
+              <a:rPr lang="fr-FR" dirty="0"/>
               <a:t>Doit pouvoir marché sans connexion ou avec une connexion dégradée</a:t>
             </a:r>
           </a:p>
@@ -6650,24 +6453,24 @@
           <a:p>
             <a:pPr lvl="1"/>
             <a:r>
-              <a:rPr lang="fr-FR" dirty="0" smtClean="0"/>
+              <a:rPr lang="fr-FR" dirty="0"/>
               <a:t>Utilise le modèle d'une application classique avec l'expérience de navigation et d'</a:t>
             </a:r>
             <a:r>
-              <a:rPr lang="fr-FR" dirty="0" err="1" smtClean="0"/>
+              <a:rPr lang="fr-FR" dirty="0" err="1"/>
               <a:t>intéraction</a:t>
             </a:r>
-            <a:endParaRPr lang="fr-FR" dirty="0" smtClean="0"/>
+            <a:endParaRPr lang="fr-FR" dirty="0"/>
           </a:p>
           <a:p>
             <a:pPr lvl="1"/>
-            <a:endParaRPr lang="fr-FR" dirty="0" smtClean="0"/>
-          </a:p>
-          <a:p>
-            <a:endParaRPr lang="fr-FR" dirty="0" smtClean="0"/>
-          </a:p>
-          <a:p>
-            <a:endParaRPr lang="fr-FR" dirty="0" smtClean="0"/>
+            <a:endParaRPr lang="fr-FR" dirty="0"/>
+          </a:p>
+          <a:p>
+            <a:endParaRPr lang="fr-FR" dirty="0"/>
+          </a:p>
+          <a:p>
+            <a:endParaRPr lang="fr-FR" dirty="0"/>
           </a:p>
           <a:p>
             <a:endParaRPr lang="fr-FR" dirty="0"/>
@@ -6684,13 +6487,6 @@
   <p:clrMapOvr>
     <a:masterClrMapping/>
   </p:clrMapOvr>
-  <p:timing>
-    <p:tnLst>
-      <p:par>
-        <p:cTn id="1" dur="indefinite" restart="never" nodeType="tmRoot"/>
-      </p:par>
-    </p:tnLst>
-  </p:timing>
 </p:sld>
 </file>
 
@@ -6727,10 +6523,9 @@
           <a:lstStyle/>
           <a:p>
             <a:r>
-              <a:rPr lang="fr-FR" dirty="0" smtClean="0"/>
+              <a:rPr lang="fr-FR" dirty="0"/>
               <a:t>Progressive</a:t>
             </a:r>
-            <a:endParaRPr lang="fr-FR" dirty="0"/>
           </a:p>
         </p:txBody>
       </p:sp>
@@ -6751,69 +6546,61 @@
           <a:p>
             <a:r>
               <a:rPr lang="fr-FR" dirty="0"/>
-              <a:t>A </a:t>
-            </a:r>
-            <a:r>
-              <a:rPr lang="fr-FR" dirty="0" smtClean="0"/>
-              <a:t>jour</a:t>
+              <a:t>A jour</a:t>
             </a:r>
           </a:p>
           <a:p>
             <a:pPr lvl="1"/>
             <a:r>
-              <a:rPr lang="fr-FR" dirty="0" smtClean="0"/>
+              <a:rPr lang="fr-FR" dirty="0"/>
               <a:t>Toujours à jour</a:t>
             </a:r>
+          </a:p>
+          <a:p>
+            <a:r>
+              <a:rPr lang="fr-FR" dirty="0"/>
+              <a:t>Sûre</a:t>
+            </a:r>
+          </a:p>
+          <a:p>
+            <a:pPr lvl="1"/>
+            <a:r>
+              <a:rPr lang="fr-FR" dirty="0"/>
+              <a:t>HTTPS et sécurité</a:t>
+            </a:r>
+          </a:p>
+          <a:p>
+            <a:r>
+              <a:rPr lang="fr-FR" dirty="0"/>
+              <a:t>Découvrable</a:t>
+            </a:r>
+          </a:p>
+          <a:p>
+            <a:pPr lvl="1"/>
+            <a:r>
+              <a:rPr lang="fr-FR" dirty="0"/>
+              <a:t>Respecte les normes du W3C pour les moteurs de recherche (SEO)</a:t>
+            </a:r>
+          </a:p>
+          <a:p>
+            <a:r>
+              <a:rPr lang="fr-FR" dirty="0" err="1"/>
+              <a:t>Réengageable</a:t>
+            </a:r>
             <a:endParaRPr lang="fr-FR" dirty="0"/>
           </a:p>
           <a:p>
-            <a:r>
-              <a:rPr lang="fr-FR" dirty="0" smtClean="0"/>
-              <a:t>Sûre</a:t>
-            </a:r>
-          </a:p>
-          <a:p>
             <a:pPr lvl="1"/>
             <a:r>
-              <a:rPr lang="fr-FR" dirty="0" smtClean="0"/>
-              <a:t>HTTPS et sécurité</a:t>
-            </a:r>
+              <a:rPr lang="fr-FR" dirty="0"/>
+              <a:t>Notifications en push</a:t>
+            </a:r>
+          </a:p>
+          <a:p>
             <a:endParaRPr lang="fr-FR" dirty="0"/>
           </a:p>
           <a:p>
-            <a:r>
-              <a:rPr lang="fr-FR" dirty="0" smtClean="0"/>
-              <a:t>Découvrable</a:t>
-            </a:r>
-          </a:p>
-          <a:p>
-            <a:pPr lvl="1"/>
-            <a:r>
-              <a:rPr lang="fr-FR" dirty="0" smtClean="0"/>
-              <a:t>Respecte les normes du W3C pour les moteurs de recherche (SEO)</a:t>
-            </a:r>
             <a:endParaRPr lang="fr-FR" dirty="0"/>
-          </a:p>
-          <a:p>
-            <a:r>
-              <a:rPr lang="fr-FR" dirty="0" err="1" smtClean="0"/>
-              <a:t>Réengageable</a:t>
-            </a:r>
-            <a:endParaRPr lang="fr-FR" dirty="0" smtClean="0"/>
-          </a:p>
-          <a:p>
-            <a:pPr lvl="1"/>
-            <a:r>
-              <a:rPr lang="fr-FR" dirty="0" smtClean="0"/>
-              <a:t>Notifications en push</a:t>
-            </a:r>
-            <a:endParaRPr lang="fr-FR" dirty="0"/>
-          </a:p>
-          <a:p>
-            <a:endParaRPr lang="fr-FR" dirty="0" smtClean="0"/>
-          </a:p>
-          <a:p>
-            <a:endParaRPr lang="fr-FR" dirty="0" smtClean="0"/>
           </a:p>
           <a:p>
             <a:endParaRPr lang="fr-FR" dirty="0"/>
@@ -6830,13 +6617,6 @@
   <p:clrMapOvr>
     <a:masterClrMapping/>
   </p:clrMapOvr>
-  <p:timing>
-    <p:tnLst>
-      <p:par>
-        <p:cTn id="1" dur="indefinite" restart="never" nodeType="tmRoot"/>
-      </p:par>
-    </p:tnLst>
-  </p:timing>
 </p:sld>
 </file>
 
@@ -6873,10 +6653,9 @@
           <a:lstStyle/>
           <a:p>
             <a:r>
-              <a:rPr lang="fr-FR" dirty="0" smtClean="0"/>
+              <a:rPr lang="fr-FR" dirty="0"/>
               <a:t>Progressive</a:t>
             </a:r>
-            <a:endParaRPr lang="fr-FR" dirty="0"/>
           </a:p>
         </p:txBody>
       </p:sp>
@@ -6896,29 +6675,28 @@
           <a:lstStyle/>
           <a:p>
             <a:r>
-              <a:rPr lang="fr-FR" dirty="0" smtClean="0"/>
+              <a:rPr lang="fr-FR" dirty="0"/>
               <a:t>Installable</a:t>
             </a:r>
           </a:p>
           <a:p>
             <a:pPr lvl="1"/>
             <a:r>
-              <a:rPr lang="fr-FR" dirty="0" smtClean="0"/>
+              <a:rPr lang="fr-FR" dirty="0"/>
               <a:t>Permet d'avoir une icône sur son écran ou son store</a:t>
             </a:r>
+          </a:p>
+          <a:p>
+            <a:r>
+              <a:rPr lang="fr-FR" dirty="0" err="1"/>
+              <a:t>Linkable</a:t>
+            </a:r>
             <a:endParaRPr lang="fr-FR" dirty="0"/>
           </a:p>
           <a:p>
-            <a:r>
-              <a:rPr lang="fr-FR" dirty="0" err="1" smtClean="0"/>
-              <a:t>Linkable</a:t>
-            </a:r>
-            <a:endParaRPr lang="fr-FR" dirty="0" smtClean="0"/>
-          </a:p>
-          <a:p>
             <a:pPr lvl="1"/>
             <a:r>
-              <a:rPr lang="fr-FR" dirty="0" smtClean="0"/>
+              <a:rPr lang="fr-FR" dirty="0"/>
               <a:t>Permet de faire des hyperliens facilement</a:t>
             </a:r>
           </a:p>
@@ -6941,13 +6719,13 @@
           </a:p>
           <a:p>
             <a:pPr lvl="1"/>
-            <a:endParaRPr lang="fr-FR" dirty="0" smtClean="0"/>
-          </a:p>
-          <a:p>
-            <a:endParaRPr lang="fr-FR" dirty="0" smtClean="0"/>
-          </a:p>
-          <a:p>
-            <a:endParaRPr lang="fr-FR" dirty="0" smtClean="0"/>
+            <a:endParaRPr lang="fr-FR" dirty="0"/>
+          </a:p>
+          <a:p>
+            <a:endParaRPr lang="fr-FR" dirty="0"/>
+          </a:p>
+          <a:p>
+            <a:endParaRPr lang="fr-FR" dirty="0"/>
           </a:p>
           <a:p>
             <a:endParaRPr lang="fr-FR" dirty="0"/>
@@ -6964,13 +6742,6 @@
   <p:clrMapOvr>
     <a:masterClrMapping/>
   </p:clrMapOvr>
-  <p:timing>
-    <p:tnLst>
-      <p:par>
-        <p:cTn id="1" dur="indefinite" restart="never" nodeType="tmRoot"/>
-      </p:par>
-    </p:tnLst>
-  </p:timing>
 </p:sld>
 </file>
 
@@ -7007,10 +6778,9 @@
           <a:lstStyle/>
           <a:p>
             <a:r>
-              <a:rPr lang="fr-FR" dirty="0" smtClean="0"/>
+              <a:rPr lang="fr-FR" dirty="0"/>
               <a:t>Audit</a:t>
             </a:r>
-            <a:endParaRPr lang="fr-FR" dirty="0"/>
           </a:p>
         </p:txBody>
       </p:sp>
@@ -7030,10 +6800,9 @@
           <a:lstStyle/>
           <a:p>
             <a:r>
-              <a:rPr lang="fr-FR" dirty="0" smtClean="0"/>
+              <a:rPr lang="fr-FR" dirty="0"/>
               <a:t>L'inspecteur de chrome possède un outil d'audit</a:t>
             </a:r>
-            <a:endParaRPr lang="fr-FR" dirty="0"/>
           </a:p>
         </p:txBody>
       </p:sp>
@@ -7129,13 +6898,6 @@
   <p:clrMapOvr>
     <a:masterClrMapping/>
   </p:clrMapOvr>
-  <p:timing>
-    <p:tnLst>
-      <p:par>
-        <p:cTn id="1" dur="indefinite" restart="never" nodeType="tmRoot"/>
-      </p:par>
-    </p:tnLst>
-  </p:timing>
 </p:sld>
 </file>
 
@@ -7172,10 +6934,9 @@
           <a:lstStyle/>
           <a:p>
             <a:r>
-              <a:rPr lang="fr-FR" dirty="0" smtClean="0"/>
+              <a:rPr lang="fr-FR" dirty="0"/>
               <a:t>Les points à améliorer</a:t>
             </a:r>
-            <a:endParaRPr lang="fr-FR" dirty="0"/>
           </a:p>
         </p:txBody>
       </p:sp>
@@ -7230,13 +6991,6 @@
   <p:clrMapOvr>
     <a:masterClrMapping/>
   </p:clrMapOvr>
-  <p:timing>
-    <p:tnLst>
-      <p:par>
-        <p:cTn id="1" dur="indefinite" restart="never" nodeType="tmRoot"/>
-      </p:par>
-    </p:tnLst>
-  </p:timing>
 </p:sld>
 </file>
 
@@ -7300,98 +7054,90 @@
           <a:lstStyle/>
           <a:p>
             <a:r>
-              <a:rPr lang="en-US" dirty="0" err="1" smtClean="0"/>
+              <a:rPr lang="en-US" dirty="0" err="1"/>
               <a:t>L'erreur</a:t>
             </a:r>
             <a:r>
-              <a:rPr lang="en-US" dirty="0" smtClean="0"/>
+              <a:rPr lang="en-US" dirty="0"/>
               <a:t> </a:t>
             </a:r>
             <a:r>
-              <a:rPr lang="en-US" dirty="0" err="1" smtClean="0"/>
+              <a:rPr lang="en-US" dirty="0" err="1"/>
               <a:t>d'audit</a:t>
             </a:r>
             <a:r>
-              <a:rPr lang="en-US" dirty="0" smtClean="0"/>
-              <a:t> “Does </a:t>
-            </a:r>
-            <a:r>
               <a:rPr lang="en-US" dirty="0"/>
-              <a:t>not provide fallback content when JavaScript is not available</a:t>
-            </a:r>
-            <a:r>
-              <a:rPr lang="en-US" dirty="0" smtClean="0"/>
-              <a:t>” </a:t>
-            </a:r>
-            <a:r>
-              <a:rPr lang="en-US" dirty="0" err="1" smtClean="0"/>
+              <a:t> “Does not provide fallback content when JavaScript is not available” </a:t>
+            </a:r>
+            <a:r>
+              <a:rPr lang="en-US" dirty="0" err="1"/>
               <a:t>est</a:t>
             </a:r>
             <a:r>
-              <a:rPr lang="en-US" dirty="0" smtClean="0"/>
+              <a:rPr lang="en-US" dirty="0"/>
               <a:t> relative aux ameliorations progressives</a:t>
             </a:r>
           </a:p>
           <a:p>
             <a:pPr lvl="1"/>
             <a:r>
-              <a:rPr lang="en-US" dirty="0" smtClean="0"/>
+              <a:rPr lang="en-US" dirty="0"/>
               <a:t>Par </a:t>
             </a:r>
             <a:r>
-              <a:rPr lang="en-US" dirty="0" err="1" smtClean="0"/>
+              <a:rPr lang="en-US" dirty="0" err="1"/>
               <a:t>exemple</a:t>
             </a:r>
             <a:r>
-              <a:rPr lang="en-US" dirty="0" smtClean="0"/>
+              <a:rPr lang="en-US" dirty="0"/>
               <a:t> </a:t>
             </a:r>
             <a:r>
-              <a:rPr lang="en-US" dirty="0" err="1" smtClean="0"/>
+              <a:rPr lang="en-US" dirty="0" err="1"/>
               <a:t>si</a:t>
             </a:r>
             <a:r>
-              <a:rPr lang="en-US" dirty="0" smtClean="0"/>
+              <a:rPr lang="en-US" dirty="0"/>
               <a:t> le </a:t>
             </a:r>
             <a:r>
-              <a:rPr lang="en-US" dirty="0" err="1" smtClean="0"/>
+              <a:rPr lang="en-US" dirty="0" err="1"/>
               <a:t>navigateur</a:t>
             </a:r>
             <a:r>
-              <a:rPr lang="en-US" dirty="0" smtClean="0"/>
+              <a:rPr lang="en-US" dirty="0"/>
               <a:t> </a:t>
             </a:r>
             <a:r>
-              <a:rPr lang="en-US" dirty="0" err="1" smtClean="0"/>
+              <a:rPr lang="en-US" dirty="0" err="1"/>
               <a:t>n'active</a:t>
             </a:r>
             <a:r>
-              <a:rPr lang="en-US" dirty="0" smtClean="0"/>
+              <a:rPr lang="en-US" dirty="0"/>
               <a:t> pas JS </a:t>
             </a:r>
             <a:r>
-              <a:rPr lang="en-US" dirty="0" err="1" smtClean="0"/>
+              <a:rPr lang="en-US" dirty="0" err="1"/>
               <a:t>il</a:t>
             </a:r>
             <a:r>
-              <a:rPr lang="en-US" dirty="0" smtClean="0"/>
+              <a:rPr lang="en-US" dirty="0"/>
               <a:t> </a:t>
             </a:r>
             <a:r>
-              <a:rPr lang="en-US" dirty="0" err="1" smtClean="0"/>
+              <a:rPr lang="en-US" dirty="0" err="1"/>
               <a:t>suffit</a:t>
             </a:r>
             <a:r>
-              <a:rPr lang="en-US" dirty="0" smtClean="0"/>
+              <a:rPr lang="en-US" dirty="0"/>
               <a:t> </a:t>
             </a:r>
             <a:r>
-              <a:rPr lang="en-US" dirty="0" err="1" smtClean="0"/>
+              <a:rPr lang="en-US" dirty="0" err="1"/>
               <a:t>d'effectuer</a:t>
             </a:r>
             <a:r>
-              <a:rPr lang="en-US" dirty="0" smtClean="0"/>
+              <a:rPr lang="en-US" dirty="0"/>
               <a:t> </a:t>
             </a:r>
           </a:p>
@@ -7458,13 +7204,6 @@
   <p:clrMapOvr>
     <a:masterClrMapping/>
   </p:clrMapOvr>
-  <p:timing>
-    <p:tnLst>
-      <p:par>
-        <p:cTn id="1" dur="indefinite" restart="never" nodeType="tmRoot"/>
-      </p:par>
-    </p:tnLst>
-  </p:timing>
 </p:sld>
 </file>
 
@@ -7501,10 +7240,9 @@
           <a:lstStyle/>
           <a:p>
             <a:r>
-              <a:rPr lang="fr-FR" dirty="0" smtClean="0"/>
+              <a:rPr lang="fr-FR" dirty="0"/>
               <a:t>HTTPS</a:t>
             </a:r>
-            <a:endParaRPr lang="fr-FR" dirty="0"/>
           </a:p>
         </p:txBody>
       </p:sp>
@@ -7524,89 +7262,81 @@
           <a:lstStyle/>
           <a:p>
             <a:r>
-              <a:rPr lang="fr-FR" dirty="0" smtClean="0"/>
+              <a:rPr lang="fr-FR" dirty="0"/>
               <a:t>L'erreur d'audit </a:t>
             </a:r>
             <a:r>
               <a:rPr lang="en-US" dirty="0"/>
-              <a:t>“Does not redirect HTTP traffic to HTTPS</a:t>
-            </a:r>
-            <a:r>
-              <a:rPr lang="en-US" dirty="0" smtClean="0"/>
-              <a:t>” </a:t>
-            </a:r>
-            <a:r>
-              <a:rPr lang="en-US" dirty="0" err="1" smtClean="0"/>
+              <a:t>“Does not redirect HTTP traffic to HTTPS” </a:t>
+            </a:r>
+            <a:r>
+              <a:rPr lang="en-US" dirty="0" err="1"/>
               <a:t>implique</a:t>
             </a:r>
             <a:r>
-              <a:rPr lang="en-US" dirty="0" smtClean="0"/>
+              <a:rPr lang="en-US" dirty="0"/>
               <a:t> </a:t>
             </a:r>
             <a:r>
-              <a:rPr lang="en-US" dirty="0" err="1" smtClean="0"/>
+              <a:rPr lang="en-US" dirty="0" err="1"/>
               <a:t>simplement</a:t>
             </a:r>
             <a:r>
-              <a:rPr lang="en-US" dirty="0" smtClean="0"/>
+              <a:rPr lang="en-US" dirty="0"/>
               <a:t> que le site </a:t>
             </a:r>
             <a:r>
-              <a:rPr lang="en-US" dirty="0" err="1" smtClean="0"/>
+              <a:rPr lang="en-US" dirty="0" err="1"/>
               <a:t>en</a:t>
             </a:r>
             <a:r>
-              <a:rPr lang="en-US" dirty="0" smtClean="0"/>
+              <a:rPr lang="en-US" dirty="0"/>
               <a:t> production </a:t>
             </a:r>
             <a:r>
-              <a:rPr lang="en-US" dirty="0" err="1" smtClean="0"/>
+              <a:rPr lang="en-US" dirty="0" err="1"/>
               <a:t>soit</a:t>
             </a:r>
             <a:r>
-              <a:rPr lang="en-US" dirty="0" smtClean="0"/>
+              <a:rPr lang="en-US" dirty="0"/>
               <a:t> HTTPS</a:t>
             </a:r>
           </a:p>
           <a:p>
             <a:r>
-              <a:rPr lang="en-US" dirty="0" smtClean="0"/>
+              <a:rPr lang="en-US" dirty="0"/>
               <a:t>Ce </a:t>
             </a:r>
             <a:r>
               <a:rPr lang="en-US" dirty="0" err="1"/>
-              <a:t>p</a:t>
-            </a:r>
-            <a:r>
-              <a:rPr lang="en-US" dirty="0" err="1" smtClean="0"/>
-              <a:t>roblème</a:t>
-            </a:r>
-            <a:r>
-              <a:rPr lang="en-US" dirty="0" smtClean="0"/>
+              <a:t>problème</a:t>
+            </a:r>
+            <a:r>
+              <a:rPr lang="en-US" dirty="0"/>
               <a:t> sera </a:t>
             </a:r>
             <a:r>
-              <a:rPr lang="en-US" dirty="0" err="1" smtClean="0"/>
+              <a:rPr lang="en-US" dirty="0" err="1"/>
               <a:t>résolu</a:t>
             </a:r>
             <a:r>
-              <a:rPr lang="en-US" dirty="0" smtClean="0"/>
+              <a:rPr lang="en-US" dirty="0"/>
               <a:t> par </a:t>
             </a:r>
             <a:r>
-              <a:rPr lang="en-US" dirty="0" err="1" smtClean="0"/>
+              <a:rPr lang="en-US" dirty="0" err="1"/>
               <a:t>l'infrastructure</a:t>
             </a:r>
             <a:r>
-              <a:rPr lang="en-US" dirty="0" smtClean="0"/>
+              <a:rPr lang="en-US" dirty="0"/>
               <a:t> </a:t>
             </a:r>
             <a:r>
-              <a:rPr lang="en-US" dirty="0" err="1" smtClean="0"/>
+              <a:rPr lang="en-US" dirty="0" err="1"/>
               <a:t>en</a:t>
             </a:r>
             <a:r>
-              <a:rPr lang="en-US" dirty="0" smtClean="0"/>
+              <a:rPr lang="en-US" dirty="0"/>
               <a:t> production</a:t>
             </a:r>
             <a:endParaRPr lang="fr-FR" dirty="0"/>
@@ -7623,13 +7353,6 @@
   <p:clrMapOvr>
     <a:masterClrMapping/>
   </p:clrMapOvr>
-  <p:timing>
-    <p:tnLst>
-      <p:par>
-        <p:cTn id="1" dur="indefinite" restart="never" nodeType="tmRoot"/>
-      </p:par>
-    </p:tnLst>
-  </p:timing>
 </p:sld>
 </file>
 
